--- a/Lab_mtg_Jun12.pptx
+++ b/Lab_mtg_Jun12.pptx
@@ -8,7 +8,9 @@
     <p:sldId id="256" r:id="rId2"/>
     <p:sldId id="258" r:id="rId3"/>
     <p:sldId id="257" r:id="rId4"/>
-    <p:sldId id="259" r:id="rId5"/>
+    <p:sldId id="260" r:id="rId5"/>
+    <p:sldId id="259" r:id="rId6"/>
+    <p:sldId id="261" r:id="rId7"/>
   </p:sldIdLst>
   <p:sldSz cx="12192000" cy="6858000"/>
   <p:notesSz cx="6858000" cy="9144000"/>
@@ -4457,6 +4459,435 @@
       </p:grpSpPr>
       <p:sp>
         <p:nvSpPr>
+          <p:cNvPr id="4" name="Title 1">
+            <a:extLst>
+              <a:ext uri="{FF2B5EF4-FFF2-40B4-BE49-F238E27FC236}">
+                <a16:creationId xmlns:a16="http://schemas.microsoft.com/office/drawing/2014/main" id="{6846DAC2-B9ED-F4E8-B844-880DCA35654E}"/>
+              </a:ext>
+            </a:extLst>
+          </p:cNvPr>
+          <p:cNvSpPr>
+            <a:spLocks noGrp="1"/>
+          </p:cNvSpPr>
+          <p:nvPr>
+            <p:ph type="title"/>
+          </p:nvPr>
+        </p:nvSpPr>
+        <p:spPr>
+          <a:xfrm>
+            <a:off x="284408" y="126361"/>
+            <a:ext cx="10515600" cy="1325563"/>
+          </a:xfrm>
+        </p:spPr>
+        <p:txBody>
+          <a:bodyPr/>
+          <a:lstStyle/>
+          <a:p>
+            <a:r>
+              <a:rPr lang="en-US" i="1" dirty="0"/>
+              <a:t>Helpful Websites</a:t>
+            </a:r>
+          </a:p>
+        </p:txBody>
+      </p:sp>
+      <p:sp>
+        <p:nvSpPr>
+          <p:cNvPr id="5" name="Content Placeholder 2">
+            <a:extLst>
+              <a:ext uri="{FF2B5EF4-FFF2-40B4-BE49-F238E27FC236}">
+                <a16:creationId xmlns:a16="http://schemas.microsoft.com/office/drawing/2014/main" id="{0CFC8FDD-5513-6BC0-C33E-63E43A82A9B0}"/>
+              </a:ext>
+            </a:extLst>
+          </p:cNvPr>
+          <p:cNvSpPr>
+            <a:spLocks noGrp="1"/>
+          </p:cNvSpPr>
+          <p:nvPr>
+            <p:ph idx="1"/>
+          </p:nvPr>
+        </p:nvSpPr>
+        <p:spPr>
+          <a:xfrm>
+            <a:off x="284408" y="1262375"/>
+            <a:ext cx="11623184" cy="1699216"/>
+          </a:xfrm>
+        </p:spPr>
+        <p:txBody>
+          <a:bodyPr>
+            <a:normAutofit fontScale="92500" lnSpcReduction="20000"/>
+          </a:bodyPr>
+          <a:lstStyle/>
+          <a:p>
+            <a:r>
+              <a:rPr lang="en-US" sz="3000" dirty="0">
+                <a:hlinkClick r:id="rId2"/>
+              </a:rPr>
+              <a:t>https://bookdown.org/yihui/rmarkdown/basics-examples.html</a:t>
+            </a:r>
+            <a:endParaRPr lang="en-US" sz="3000" dirty="0"/>
+          </a:p>
+          <a:p>
+            <a:r>
+              <a:rPr lang="en-US" sz="3000" dirty="0">
+                <a:hlinkClick r:id="rId3"/>
+              </a:rPr>
+              <a:t>https://shiny.posit.co/r/getstarted/shiny-basics/lesson1/index.html</a:t>
+            </a:r>
+            <a:endParaRPr lang="en-US" sz="3000" dirty="0"/>
+          </a:p>
+          <a:p>
+            <a:r>
+              <a:rPr lang="en-US" sz="3000" dirty="0">
+                <a:hlinkClick r:id="rId4"/>
+              </a:rPr>
+              <a:t>https://programminghistorian.org/en/lessons/shiny-leaflet-newspaper-map-tutorial</a:t>
+            </a:r>
+            <a:r>
+              <a:rPr lang="en-US" sz="3000" dirty="0"/>
+              <a:t>  </a:t>
+            </a:r>
+          </a:p>
+          <a:p>
+            <a:pPr marL="457200" lvl="1" indent="0">
+              <a:buNone/>
+            </a:pPr>
+            <a:endParaRPr lang="en-US" sz="1600" dirty="0"/>
+          </a:p>
+          <a:p>
+            <a:pPr marL="457200" lvl="1" indent="0">
+              <a:buNone/>
+            </a:pPr>
+            <a:endParaRPr lang="en-US" sz="1600" dirty="0"/>
+          </a:p>
+          <a:p>
+            <a:pPr marL="457200" lvl="1" indent="0">
+              <a:buNone/>
+            </a:pPr>
+            <a:endParaRPr lang="en-US" sz="1600" dirty="0"/>
+          </a:p>
+          <a:p>
+            <a:pPr marL="457200" lvl="1" indent="0">
+              <a:buNone/>
+            </a:pPr>
+            <a:endParaRPr lang="en-US" sz="1600" dirty="0"/>
+          </a:p>
+          <a:p>
+            <a:pPr marL="457200" lvl="1" indent="0">
+              <a:buNone/>
+            </a:pPr>
+            <a:endParaRPr lang="en-US" sz="1600" dirty="0"/>
+          </a:p>
+          <a:p>
+            <a:pPr lvl="1"/>
+            <a:endParaRPr lang="en-US" sz="1600" dirty="0"/>
+          </a:p>
+        </p:txBody>
+      </p:sp>
+      <p:sp>
+        <p:nvSpPr>
+          <p:cNvPr id="6" name="Title 1">
+            <a:extLst>
+              <a:ext uri="{FF2B5EF4-FFF2-40B4-BE49-F238E27FC236}">
+                <a16:creationId xmlns:a16="http://schemas.microsoft.com/office/drawing/2014/main" id="{55E155E9-C493-F189-28CC-89497C0C680D}"/>
+              </a:ext>
+            </a:extLst>
+          </p:cNvPr>
+          <p:cNvSpPr txBox="1">
+            <a:spLocks/>
+          </p:cNvSpPr>
+          <p:nvPr/>
+        </p:nvSpPr>
+        <p:spPr>
+          <a:xfrm>
+            <a:off x="284408" y="2961591"/>
+            <a:ext cx="10515600" cy="1325563"/>
+          </a:xfrm>
+          <a:prstGeom prst="rect">
+            <a:avLst/>
+          </a:prstGeom>
+        </p:spPr>
+        <p:txBody>
+          <a:bodyPr vert="horz" lIns="91440" tIns="45720" rIns="91440" bIns="45720" rtlCol="0" anchor="ctr">
+            <a:normAutofit/>
+          </a:bodyPr>
+          <a:lstStyle>
+            <a:lvl1pPr algn="l" defTabSz="914400" rtl="0" eaLnBrk="1" latinLnBrk="0" hangingPunct="1">
+              <a:lnSpc>
+                <a:spcPct val="90000"/>
+              </a:lnSpc>
+              <a:spcBef>
+                <a:spcPct val="0"/>
+              </a:spcBef>
+              <a:buNone/>
+              <a:defRPr sz="4400" kern="1200">
+                <a:solidFill>
+                  <a:schemeClr val="tx1"/>
+                </a:solidFill>
+                <a:latin typeface="+mj-lt"/>
+                <a:ea typeface="+mj-ea"/>
+                <a:cs typeface="+mj-cs"/>
+              </a:defRPr>
+            </a:lvl1pPr>
+          </a:lstStyle>
+          <a:p>
+            <a:r>
+              <a:rPr lang="en-US" i="1" dirty="0"/>
+              <a:t>Examples</a:t>
+            </a:r>
+          </a:p>
+        </p:txBody>
+      </p:sp>
+      <p:sp>
+        <p:nvSpPr>
+          <p:cNvPr id="7" name="Content Placeholder 2">
+            <a:extLst>
+              <a:ext uri="{FF2B5EF4-FFF2-40B4-BE49-F238E27FC236}">
+                <a16:creationId xmlns:a16="http://schemas.microsoft.com/office/drawing/2014/main" id="{9EF860EF-FADF-A257-0AE4-E1913DFF6260}"/>
+              </a:ext>
+            </a:extLst>
+          </p:cNvPr>
+          <p:cNvSpPr txBox="1">
+            <a:spLocks/>
+          </p:cNvSpPr>
+          <p:nvPr/>
+        </p:nvSpPr>
+        <p:spPr>
+          <a:xfrm>
+            <a:off x="-133918" y="4100248"/>
+            <a:ext cx="11623184" cy="1325564"/>
+          </a:xfrm>
+          <a:prstGeom prst="rect">
+            <a:avLst/>
+          </a:prstGeom>
+        </p:spPr>
+        <p:txBody>
+          <a:bodyPr vert="horz" lIns="91440" tIns="45720" rIns="91440" bIns="45720" rtlCol="0">
+            <a:normAutofit/>
+          </a:bodyPr>
+          <a:lstStyle>
+            <a:lvl1pPr marL="228600" indent="-228600" algn="l" defTabSz="914400" rtl="0" eaLnBrk="1" latinLnBrk="0" hangingPunct="1">
+              <a:lnSpc>
+                <a:spcPct val="90000"/>
+              </a:lnSpc>
+              <a:spcBef>
+                <a:spcPts val="1000"/>
+              </a:spcBef>
+              <a:buFont typeface="Arial" panose="020B0604020202020204" pitchFamily="34" charset="0"/>
+              <a:buChar char="•"/>
+              <a:defRPr sz="2800" kern="1200">
+                <a:solidFill>
+                  <a:schemeClr val="tx1"/>
+                </a:solidFill>
+                <a:latin typeface="+mn-lt"/>
+                <a:ea typeface="+mn-ea"/>
+                <a:cs typeface="+mn-cs"/>
+              </a:defRPr>
+            </a:lvl1pPr>
+            <a:lvl2pPr marL="685800" indent="-228600" algn="l" defTabSz="914400" rtl="0" eaLnBrk="1" latinLnBrk="0" hangingPunct="1">
+              <a:lnSpc>
+                <a:spcPct val="90000"/>
+              </a:lnSpc>
+              <a:spcBef>
+                <a:spcPts val="500"/>
+              </a:spcBef>
+              <a:buFont typeface="Arial" panose="020B0604020202020204" pitchFamily="34" charset="0"/>
+              <a:buChar char="•"/>
+              <a:defRPr sz="2400" kern="1200">
+                <a:solidFill>
+                  <a:schemeClr val="tx1"/>
+                </a:solidFill>
+                <a:latin typeface="+mn-lt"/>
+                <a:ea typeface="+mn-ea"/>
+                <a:cs typeface="+mn-cs"/>
+              </a:defRPr>
+            </a:lvl2pPr>
+            <a:lvl3pPr marL="1143000" indent="-228600" algn="l" defTabSz="914400" rtl="0" eaLnBrk="1" latinLnBrk="0" hangingPunct="1">
+              <a:lnSpc>
+                <a:spcPct val="90000"/>
+              </a:lnSpc>
+              <a:spcBef>
+                <a:spcPts val="500"/>
+              </a:spcBef>
+              <a:buFont typeface="Arial" panose="020B0604020202020204" pitchFamily="34" charset="0"/>
+              <a:buChar char="•"/>
+              <a:defRPr sz="2000" kern="1200">
+                <a:solidFill>
+                  <a:schemeClr val="tx1"/>
+                </a:solidFill>
+                <a:latin typeface="+mn-lt"/>
+                <a:ea typeface="+mn-ea"/>
+                <a:cs typeface="+mn-cs"/>
+              </a:defRPr>
+            </a:lvl3pPr>
+            <a:lvl4pPr marL="1600200" indent="-228600" algn="l" defTabSz="914400" rtl="0" eaLnBrk="1" latinLnBrk="0" hangingPunct="1">
+              <a:lnSpc>
+                <a:spcPct val="90000"/>
+              </a:lnSpc>
+              <a:spcBef>
+                <a:spcPts val="500"/>
+              </a:spcBef>
+              <a:buFont typeface="Arial" panose="020B0604020202020204" pitchFamily="34" charset="0"/>
+              <a:buChar char="•"/>
+              <a:defRPr sz="1800" kern="1200">
+                <a:solidFill>
+                  <a:schemeClr val="tx1"/>
+                </a:solidFill>
+                <a:latin typeface="+mn-lt"/>
+                <a:ea typeface="+mn-ea"/>
+                <a:cs typeface="+mn-cs"/>
+              </a:defRPr>
+            </a:lvl4pPr>
+            <a:lvl5pPr marL="2057400" indent="-228600" algn="l" defTabSz="914400" rtl="0" eaLnBrk="1" latinLnBrk="0" hangingPunct="1">
+              <a:lnSpc>
+                <a:spcPct val="90000"/>
+              </a:lnSpc>
+              <a:spcBef>
+                <a:spcPts val="500"/>
+              </a:spcBef>
+              <a:buFont typeface="Arial" panose="020B0604020202020204" pitchFamily="34" charset="0"/>
+              <a:buChar char="•"/>
+              <a:defRPr sz="1800" kern="1200">
+                <a:solidFill>
+                  <a:schemeClr val="tx1"/>
+                </a:solidFill>
+                <a:latin typeface="+mn-lt"/>
+                <a:ea typeface="+mn-ea"/>
+                <a:cs typeface="+mn-cs"/>
+              </a:defRPr>
+            </a:lvl5pPr>
+            <a:lvl6pPr marL="2514600" indent="-228600" algn="l" defTabSz="914400" rtl="0" eaLnBrk="1" latinLnBrk="0" hangingPunct="1">
+              <a:lnSpc>
+                <a:spcPct val="90000"/>
+              </a:lnSpc>
+              <a:spcBef>
+                <a:spcPts val="500"/>
+              </a:spcBef>
+              <a:buFont typeface="Arial" panose="020B0604020202020204" pitchFamily="34" charset="0"/>
+              <a:buChar char="•"/>
+              <a:defRPr sz="1800" kern="1200">
+                <a:solidFill>
+                  <a:schemeClr val="tx1"/>
+                </a:solidFill>
+                <a:latin typeface="+mn-lt"/>
+                <a:ea typeface="+mn-ea"/>
+                <a:cs typeface="+mn-cs"/>
+              </a:defRPr>
+            </a:lvl6pPr>
+            <a:lvl7pPr marL="2971800" indent="-228600" algn="l" defTabSz="914400" rtl="0" eaLnBrk="1" latinLnBrk="0" hangingPunct="1">
+              <a:lnSpc>
+                <a:spcPct val="90000"/>
+              </a:lnSpc>
+              <a:spcBef>
+                <a:spcPts val="500"/>
+              </a:spcBef>
+              <a:buFont typeface="Arial" panose="020B0604020202020204" pitchFamily="34" charset="0"/>
+              <a:buChar char="•"/>
+              <a:defRPr sz="1800" kern="1200">
+                <a:solidFill>
+                  <a:schemeClr val="tx1"/>
+                </a:solidFill>
+                <a:latin typeface="+mn-lt"/>
+                <a:ea typeface="+mn-ea"/>
+                <a:cs typeface="+mn-cs"/>
+              </a:defRPr>
+            </a:lvl7pPr>
+            <a:lvl8pPr marL="3429000" indent="-228600" algn="l" defTabSz="914400" rtl="0" eaLnBrk="1" latinLnBrk="0" hangingPunct="1">
+              <a:lnSpc>
+                <a:spcPct val="90000"/>
+              </a:lnSpc>
+              <a:spcBef>
+                <a:spcPts val="500"/>
+              </a:spcBef>
+              <a:buFont typeface="Arial" panose="020B0604020202020204" pitchFamily="34" charset="0"/>
+              <a:buChar char="•"/>
+              <a:defRPr sz="1800" kern="1200">
+                <a:solidFill>
+                  <a:schemeClr val="tx1"/>
+                </a:solidFill>
+                <a:latin typeface="+mn-lt"/>
+                <a:ea typeface="+mn-ea"/>
+                <a:cs typeface="+mn-cs"/>
+              </a:defRPr>
+            </a:lvl8pPr>
+            <a:lvl9pPr marL="3886200" indent="-228600" algn="l" defTabSz="914400" rtl="0" eaLnBrk="1" latinLnBrk="0" hangingPunct="1">
+              <a:lnSpc>
+                <a:spcPct val="90000"/>
+              </a:lnSpc>
+              <a:spcBef>
+                <a:spcPts val="500"/>
+              </a:spcBef>
+              <a:buFont typeface="Arial" panose="020B0604020202020204" pitchFamily="34" charset="0"/>
+              <a:buChar char="•"/>
+              <a:defRPr sz="1800" kern="1200">
+                <a:solidFill>
+                  <a:schemeClr val="tx1"/>
+                </a:solidFill>
+                <a:latin typeface="+mn-lt"/>
+                <a:ea typeface="+mn-ea"/>
+                <a:cs typeface="+mn-cs"/>
+              </a:defRPr>
+            </a:lvl9pPr>
+          </a:lstStyle>
+          <a:p>
+            <a:pPr lvl="1"/>
+            <a:r>
+              <a:rPr lang="en-US" sz="2800" dirty="0">
+                <a:hlinkClick r:id="rId5"/>
+              </a:rPr>
+              <a:t>https://r-graph-gallery.com/interactive-charts.html</a:t>
+            </a:r>
+            <a:r>
+              <a:rPr lang="en-US" sz="2800" dirty="0"/>
+              <a:t> </a:t>
+            </a:r>
+          </a:p>
+          <a:p>
+            <a:pPr lvl="1"/>
+            <a:r>
+              <a:rPr lang="en-US" sz="2800" dirty="0">
+                <a:hlinkClick r:id="rId6"/>
+              </a:rPr>
+              <a:t>https://www.r-statistics.com/2017/03/shinyheatmaply-a-shiny-app-for-creating-interactive-cluster-heatmaps/</a:t>
+            </a:r>
+            <a:r>
+              <a:rPr lang="en-US" sz="2800" dirty="0"/>
+              <a:t> </a:t>
+            </a:r>
+          </a:p>
+        </p:txBody>
+      </p:sp>
+    </p:spTree>
+    <p:extLst>
+      <p:ext uri="{BB962C8B-B14F-4D97-AF65-F5344CB8AC3E}">
+        <p14:creationId xmlns:p14="http://schemas.microsoft.com/office/powerpoint/2010/main" val="1511621013"/>
+      </p:ext>
+    </p:extLst>
+  </p:cSld>
+  <p:clrMapOvr>
+    <a:masterClrMapping/>
+  </p:clrMapOvr>
+</p:sld>
+</file>
+
+<file path=ppt/slides/slide5.xml><?xml version="1.0" encoding="utf-8"?>
+<p:sld xmlns:a="http://schemas.openxmlformats.org/drawingml/2006/main" xmlns:r="http://schemas.openxmlformats.org/officeDocument/2006/relationships" xmlns:p="http://schemas.openxmlformats.org/presentationml/2006/main">
+  <p:cSld>
+    <p:spTree>
+      <p:nvGrpSpPr>
+        <p:cNvPr id="1" name=""/>
+        <p:cNvGrpSpPr/>
+        <p:nvPr/>
+      </p:nvGrpSpPr>
+      <p:grpSpPr>
+        <a:xfrm>
+          <a:off x="0" y="0"/>
+          <a:ext cx="0" cy="0"/>
+          <a:chOff x="0" y="0"/>
+          <a:chExt cx="0" cy="0"/>
+        </a:xfrm>
+      </p:grpSpPr>
+      <p:sp>
+        <p:nvSpPr>
           <p:cNvPr id="24" name="Title 1">
             <a:extLst>
               <a:ext uri="{FF2B5EF4-FFF2-40B4-BE49-F238E27FC236}">
@@ -4483,17 +4914,617 @@
           <a:p>
             <a:r>
               <a:rPr lang="en-US" i="1" dirty="0"/>
-              <a:t>Make an interactive chord diagram</a:t>
+              <a:t>Track with GitHub</a:t>
             </a:r>
           </a:p>
         </p:txBody>
       </p:sp>
       <p:pic>
         <p:nvPicPr>
-          <p:cNvPr id="28" name="Picture 27" descr="A computer code with green text&#10;&#10;Description automatically generated">
+          <p:cNvPr id="5" name="Picture 4" descr="A screenshot of a computer&#10;&#10;Description automatically generated">
             <a:extLst>
               <a:ext uri="{FF2B5EF4-FFF2-40B4-BE49-F238E27FC236}">
-                <a16:creationId xmlns:a16="http://schemas.microsoft.com/office/drawing/2014/main" id="{6C6010D3-965B-5BA6-586A-A227E49E3352}"/>
+                <a16:creationId xmlns:a16="http://schemas.microsoft.com/office/drawing/2014/main" id="{BCEBB50C-71D5-01B8-C215-4E58929566A1}"/>
+              </a:ext>
+            </a:extLst>
+          </p:cNvPr>
+          <p:cNvPicPr>
+            <a:picLocks noChangeAspect="1"/>
+          </p:cNvPicPr>
+          <p:nvPr/>
+        </p:nvPicPr>
+        <p:blipFill rotWithShape="1">
+          <a:blip r:embed="rId2"/>
+          <a:srcRect/>
+          <a:stretch/>
+        </p:blipFill>
+        <p:spPr>
+          <a:xfrm>
+            <a:off x="4921056" y="3654724"/>
+            <a:ext cx="7120280" cy="2885062"/>
+          </a:xfrm>
+          <a:prstGeom prst="rect">
+            <a:avLst/>
+          </a:prstGeom>
+        </p:spPr>
+      </p:pic>
+      <p:pic>
+        <p:nvPicPr>
+          <p:cNvPr id="9" name="Picture 8" descr="A screenshot of a computer&#10;&#10;Description automatically generated">
+            <a:extLst>
+              <a:ext uri="{FF2B5EF4-FFF2-40B4-BE49-F238E27FC236}">
+                <a16:creationId xmlns:a16="http://schemas.microsoft.com/office/drawing/2014/main" id="{568E01DE-4170-F44F-6BCE-F2830E494C57}"/>
+              </a:ext>
+            </a:extLst>
+          </p:cNvPr>
+          <p:cNvPicPr>
+            <a:picLocks noChangeAspect="1"/>
+          </p:cNvPicPr>
+          <p:nvPr/>
+        </p:nvPicPr>
+        <p:blipFill>
+          <a:blip r:embed="rId3"/>
+          <a:stretch>
+            <a:fillRect/>
+          </a:stretch>
+        </p:blipFill>
+        <p:spPr>
+          <a:xfrm>
+            <a:off x="8922144" y="221923"/>
+            <a:ext cx="3119191" cy="2981354"/>
+          </a:xfrm>
+          <a:prstGeom prst="rect">
+            <a:avLst/>
+          </a:prstGeom>
+        </p:spPr>
+      </p:pic>
+      <p:pic>
+        <p:nvPicPr>
+          <p:cNvPr id="11" name="Picture 10" descr="A screenshot of a computer&#10;&#10;Description automatically generated">
+            <a:extLst>
+              <a:ext uri="{FF2B5EF4-FFF2-40B4-BE49-F238E27FC236}">
+                <a16:creationId xmlns:a16="http://schemas.microsoft.com/office/drawing/2014/main" id="{E8862CC7-03F1-FEA4-7614-8A3A988D4321}"/>
+              </a:ext>
+            </a:extLst>
+          </p:cNvPr>
+          <p:cNvPicPr>
+            <a:picLocks noChangeAspect="1"/>
+          </p:cNvPicPr>
+          <p:nvPr/>
+        </p:nvPicPr>
+        <p:blipFill>
+          <a:blip r:embed="rId4"/>
+          <a:stretch>
+            <a:fillRect/>
+          </a:stretch>
+        </p:blipFill>
+        <p:spPr>
+          <a:xfrm>
+            <a:off x="4921055" y="221923"/>
+            <a:ext cx="3328565" cy="2979659"/>
+          </a:xfrm>
+          <a:prstGeom prst="rect">
+            <a:avLst/>
+          </a:prstGeom>
+        </p:spPr>
+      </p:pic>
+      <p:sp>
+        <p:nvSpPr>
+          <p:cNvPr id="19" name="TextBox 18">
+            <a:extLst>
+              <a:ext uri="{FF2B5EF4-FFF2-40B4-BE49-F238E27FC236}">
+                <a16:creationId xmlns:a16="http://schemas.microsoft.com/office/drawing/2014/main" id="{6BD750CB-8ADF-8FCA-A9AD-520AA960395F}"/>
+              </a:ext>
+            </a:extLst>
+          </p:cNvPr>
+          <p:cNvSpPr txBox="1"/>
+          <p:nvPr/>
+        </p:nvSpPr>
+        <p:spPr>
+          <a:xfrm>
+            <a:off x="4525029" y="1441706"/>
+            <a:ext cx="792051" cy="461665"/>
+          </a:xfrm>
+          <a:prstGeom prst="rect">
+            <a:avLst/>
+          </a:prstGeom>
+          <a:noFill/>
+        </p:spPr>
+        <p:txBody>
+          <a:bodyPr wrap="square">
+            <a:spAutoFit/>
+          </a:bodyPr>
+          <a:lstStyle/>
+          <a:p>
+            <a:r>
+              <a:rPr lang="en-US" sz="2400" b="1" i="1" dirty="0"/>
+              <a:t>1</a:t>
+            </a:r>
+            <a:endParaRPr lang="en-US" sz="2400" b="1" dirty="0"/>
+          </a:p>
+        </p:txBody>
+      </p:sp>
+      <p:sp>
+        <p:nvSpPr>
+          <p:cNvPr id="20" name="TextBox 19">
+            <a:extLst>
+              <a:ext uri="{FF2B5EF4-FFF2-40B4-BE49-F238E27FC236}">
+                <a16:creationId xmlns:a16="http://schemas.microsoft.com/office/drawing/2014/main" id="{AB0659C7-F466-C6B0-CC1F-FE5DBBEEC9B5}"/>
+              </a:ext>
+            </a:extLst>
+          </p:cNvPr>
+          <p:cNvSpPr txBox="1"/>
+          <p:nvPr/>
+        </p:nvSpPr>
+        <p:spPr>
+          <a:xfrm>
+            <a:off x="8549268" y="1308411"/>
+            <a:ext cx="768901" cy="473448"/>
+          </a:xfrm>
+          <a:prstGeom prst="rect">
+            <a:avLst/>
+          </a:prstGeom>
+          <a:noFill/>
+        </p:spPr>
+        <p:txBody>
+          <a:bodyPr wrap="square">
+            <a:spAutoFit/>
+          </a:bodyPr>
+          <a:lstStyle/>
+          <a:p>
+            <a:r>
+              <a:rPr lang="en-US" sz="2400" b="1" i="1" dirty="0"/>
+              <a:t>2</a:t>
+            </a:r>
+            <a:endParaRPr lang="en-US" sz="2400" b="1" dirty="0"/>
+          </a:p>
+        </p:txBody>
+      </p:sp>
+      <p:sp>
+        <p:nvSpPr>
+          <p:cNvPr id="21" name="TextBox 20">
+            <a:extLst>
+              <a:ext uri="{FF2B5EF4-FFF2-40B4-BE49-F238E27FC236}">
+                <a16:creationId xmlns:a16="http://schemas.microsoft.com/office/drawing/2014/main" id="{E7EADCF7-525C-CD8C-96C1-0E792B1A3540}"/>
+              </a:ext>
+            </a:extLst>
+          </p:cNvPr>
+          <p:cNvSpPr txBox="1"/>
+          <p:nvPr/>
+        </p:nvSpPr>
+        <p:spPr>
+          <a:xfrm>
+            <a:off x="4525029" y="4843614"/>
+            <a:ext cx="792051" cy="461665"/>
+          </a:xfrm>
+          <a:prstGeom prst="rect">
+            <a:avLst/>
+          </a:prstGeom>
+          <a:noFill/>
+        </p:spPr>
+        <p:txBody>
+          <a:bodyPr wrap="square">
+            <a:spAutoFit/>
+          </a:bodyPr>
+          <a:lstStyle/>
+          <a:p>
+            <a:r>
+              <a:rPr lang="en-US" sz="2400" b="1" i="1" dirty="0"/>
+              <a:t>3</a:t>
+            </a:r>
+            <a:endParaRPr lang="en-US" sz="2400" b="1" dirty="0"/>
+          </a:p>
+        </p:txBody>
+      </p:sp>
+      <p:sp>
+        <p:nvSpPr>
+          <p:cNvPr id="22" name="Content Placeholder 2">
+            <a:extLst>
+              <a:ext uri="{FF2B5EF4-FFF2-40B4-BE49-F238E27FC236}">
+                <a16:creationId xmlns:a16="http://schemas.microsoft.com/office/drawing/2014/main" id="{D4FED8D7-7FE6-B1BD-794F-513A5A344E7D}"/>
+              </a:ext>
+            </a:extLst>
+          </p:cNvPr>
+          <p:cNvSpPr>
+            <a:spLocks noGrp="1"/>
+          </p:cNvSpPr>
+          <p:nvPr>
+            <p:ph idx="1"/>
+          </p:nvPr>
+        </p:nvSpPr>
+        <p:spPr>
+          <a:xfrm>
+            <a:off x="284408" y="1262374"/>
+            <a:ext cx="3568097" cy="4852277"/>
+          </a:xfrm>
+        </p:spPr>
+        <p:txBody>
+          <a:bodyPr/>
+          <a:lstStyle/>
+          <a:p>
+            <a:pPr marL="0" indent="0">
+              <a:buNone/>
+            </a:pPr>
+            <a:r>
+              <a:rPr lang="en-US" dirty="0"/>
+              <a:t>If you already have </a:t>
+            </a:r>
+            <a:r>
+              <a:rPr lang="en-US" dirty="0" err="1"/>
+              <a:t>github</a:t>
+            </a:r>
+            <a:r>
+              <a:rPr lang="en-US" dirty="0"/>
+              <a:t> installed:</a:t>
+            </a:r>
+          </a:p>
+          <a:p>
+            <a:pPr marL="0" indent="0">
+              <a:buNone/>
+            </a:pPr>
+            <a:endParaRPr lang="en-US" dirty="0"/>
+          </a:p>
+          <a:p>
+            <a:pPr marL="800100" lvl="1" indent="-342900">
+              <a:buFont typeface="+mj-lt"/>
+              <a:buAutoNum type="arabicPeriod"/>
+            </a:pPr>
+            <a:r>
+              <a:rPr lang="en-US" sz="1600" dirty="0"/>
+              <a:t>Edit project setup</a:t>
+            </a:r>
+          </a:p>
+          <a:p>
+            <a:pPr marL="800100" lvl="1" indent="-342900">
+              <a:buFont typeface="+mj-lt"/>
+              <a:buAutoNum type="arabicPeriod"/>
+            </a:pPr>
+            <a:r>
+              <a:rPr lang="en-US" sz="1600" dirty="0"/>
+              <a:t>Make this project a git tracked project</a:t>
+            </a:r>
+          </a:p>
+          <a:p>
+            <a:pPr marL="800100" lvl="1" indent="-342900">
+              <a:buFont typeface="+mj-lt"/>
+              <a:buAutoNum type="arabicPeriod"/>
+            </a:pPr>
+            <a:r>
+              <a:rPr lang="en-US" sz="1600" dirty="0"/>
+              <a:t>Push, pull, and commit changes</a:t>
+            </a:r>
+          </a:p>
+          <a:p>
+            <a:pPr marL="800100" lvl="1" indent="-342900">
+              <a:buFont typeface="+mj-lt"/>
+              <a:buAutoNum type="arabicPeriod"/>
+            </a:pPr>
+            <a:endParaRPr lang="en-US" sz="1600" dirty="0"/>
+          </a:p>
+          <a:p>
+            <a:pPr marL="800100" lvl="1" indent="-342900">
+              <a:buFont typeface="+mj-lt"/>
+              <a:buAutoNum type="arabicPeriod"/>
+            </a:pPr>
+            <a:endParaRPr lang="en-US" sz="1600" dirty="0"/>
+          </a:p>
+          <a:p>
+            <a:pPr marL="800100" lvl="1" indent="-342900">
+              <a:buFont typeface="+mj-lt"/>
+              <a:buAutoNum type="arabicPeriod"/>
+            </a:pPr>
+            <a:endParaRPr lang="en-US" sz="1600" dirty="0"/>
+          </a:p>
+          <a:p>
+            <a:pPr marL="457200" lvl="1" indent="0">
+              <a:buNone/>
+            </a:pPr>
+            <a:endParaRPr lang="en-US" sz="1800" dirty="0"/>
+          </a:p>
+          <a:p>
+            <a:pPr marL="457200" lvl="1" indent="0">
+              <a:buNone/>
+            </a:pPr>
+            <a:endParaRPr lang="en-US" sz="1600" dirty="0"/>
+          </a:p>
+          <a:p>
+            <a:pPr marL="457200" lvl="1" indent="0">
+              <a:buNone/>
+            </a:pPr>
+            <a:endParaRPr lang="en-US" sz="1600" dirty="0"/>
+          </a:p>
+          <a:p>
+            <a:pPr marL="457200" lvl="1" indent="0">
+              <a:buNone/>
+            </a:pPr>
+            <a:endParaRPr lang="en-US" sz="1600" dirty="0"/>
+          </a:p>
+          <a:p>
+            <a:pPr marL="457200" lvl="1" indent="0">
+              <a:buNone/>
+            </a:pPr>
+            <a:endParaRPr lang="en-US" sz="1600" dirty="0"/>
+          </a:p>
+          <a:p>
+            <a:pPr lvl="1"/>
+            <a:endParaRPr lang="en-US" sz="1600" dirty="0"/>
+          </a:p>
+        </p:txBody>
+      </p:sp>
+    </p:spTree>
+    <p:extLst>
+      <p:ext uri="{BB962C8B-B14F-4D97-AF65-F5344CB8AC3E}">
+        <p14:creationId xmlns:p14="http://schemas.microsoft.com/office/powerpoint/2010/main" val="1513230244"/>
+      </p:ext>
+    </p:extLst>
+  </p:cSld>
+  <p:clrMapOvr>
+    <a:masterClrMapping/>
+  </p:clrMapOvr>
+</p:sld>
+</file>
+
+<file path=ppt/slides/slide6.xml><?xml version="1.0" encoding="utf-8"?>
+<p:sld xmlns:a="http://schemas.openxmlformats.org/drawingml/2006/main" xmlns:r="http://schemas.openxmlformats.org/officeDocument/2006/relationships" xmlns:p="http://schemas.openxmlformats.org/presentationml/2006/main">
+  <p:cSld>
+    <p:spTree>
+      <p:nvGrpSpPr>
+        <p:cNvPr id="1" name=""/>
+        <p:cNvGrpSpPr/>
+        <p:nvPr/>
+      </p:nvGrpSpPr>
+      <p:grpSpPr>
+        <a:xfrm>
+          <a:off x="0" y="0"/>
+          <a:ext cx="0" cy="0"/>
+          <a:chOff x="0" y="0"/>
+          <a:chExt cx="0" cy="0"/>
+        </a:xfrm>
+      </p:grpSpPr>
+      <p:sp>
+        <p:nvSpPr>
+          <p:cNvPr id="24" name="Title 1">
+            <a:extLst>
+              <a:ext uri="{FF2B5EF4-FFF2-40B4-BE49-F238E27FC236}">
+                <a16:creationId xmlns:a16="http://schemas.microsoft.com/office/drawing/2014/main" id="{9E6CC1F2-E857-B9D9-0495-E62895824F71}"/>
+              </a:ext>
+            </a:extLst>
+          </p:cNvPr>
+          <p:cNvSpPr>
+            <a:spLocks noGrp="1"/>
+          </p:cNvSpPr>
+          <p:nvPr>
+            <p:ph type="title"/>
+          </p:nvPr>
+        </p:nvSpPr>
+        <p:spPr>
+          <a:xfrm>
+            <a:off x="284408" y="126361"/>
+            <a:ext cx="10515600" cy="1325563"/>
+          </a:xfrm>
+        </p:spPr>
+        <p:txBody>
+          <a:bodyPr/>
+          <a:lstStyle/>
+          <a:p>
+            <a:r>
+              <a:rPr lang="en-US" i="1" dirty="0"/>
+              <a:t>Track with GitHub</a:t>
+            </a:r>
+          </a:p>
+        </p:txBody>
+      </p:sp>
+      <p:sp>
+        <p:nvSpPr>
+          <p:cNvPr id="19" name="TextBox 18">
+            <a:extLst>
+              <a:ext uri="{FF2B5EF4-FFF2-40B4-BE49-F238E27FC236}">
+                <a16:creationId xmlns:a16="http://schemas.microsoft.com/office/drawing/2014/main" id="{6BD750CB-8ADF-8FCA-A9AD-520AA960395F}"/>
+              </a:ext>
+            </a:extLst>
+          </p:cNvPr>
+          <p:cNvSpPr txBox="1"/>
+          <p:nvPr/>
+        </p:nvSpPr>
+        <p:spPr>
+          <a:xfrm>
+            <a:off x="6845107" y="1697777"/>
+            <a:ext cx="792051" cy="461665"/>
+          </a:xfrm>
+          <a:prstGeom prst="rect">
+            <a:avLst/>
+          </a:prstGeom>
+          <a:noFill/>
+        </p:spPr>
+        <p:txBody>
+          <a:bodyPr wrap="square">
+            <a:spAutoFit/>
+          </a:bodyPr>
+          <a:lstStyle/>
+          <a:p>
+            <a:r>
+              <a:rPr lang="en-US" sz="2400" b="1" i="1" dirty="0"/>
+              <a:t>1</a:t>
+            </a:r>
+            <a:endParaRPr lang="en-US" sz="2400" b="1" dirty="0"/>
+          </a:p>
+        </p:txBody>
+      </p:sp>
+      <p:sp>
+        <p:nvSpPr>
+          <p:cNvPr id="20" name="TextBox 19">
+            <a:extLst>
+              <a:ext uri="{FF2B5EF4-FFF2-40B4-BE49-F238E27FC236}">
+                <a16:creationId xmlns:a16="http://schemas.microsoft.com/office/drawing/2014/main" id="{AB0659C7-F466-C6B0-CC1F-FE5DBBEEC9B5}"/>
+              </a:ext>
+            </a:extLst>
+          </p:cNvPr>
+          <p:cNvSpPr txBox="1"/>
+          <p:nvPr/>
+        </p:nvSpPr>
+        <p:spPr>
+          <a:xfrm>
+            <a:off x="6845107" y="4923499"/>
+            <a:ext cx="768901" cy="473448"/>
+          </a:xfrm>
+          <a:prstGeom prst="rect">
+            <a:avLst/>
+          </a:prstGeom>
+          <a:noFill/>
+        </p:spPr>
+        <p:txBody>
+          <a:bodyPr wrap="square">
+            <a:spAutoFit/>
+          </a:bodyPr>
+          <a:lstStyle/>
+          <a:p>
+            <a:r>
+              <a:rPr lang="en-US" sz="2400" b="1" i="1" dirty="0"/>
+              <a:t>2</a:t>
+            </a:r>
+            <a:endParaRPr lang="en-US" sz="2400" b="1" dirty="0"/>
+          </a:p>
+        </p:txBody>
+      </p:sp>
+      <p:sp>
+        <p:nvSpPr>
+          <p:cNvPr id="22" name="Content Placeholder 2">
+            <a:extLst>
+              <a:ext uri="{FF2B5EF4-FFF2-40B4-BE49-F238E27FC236}">
+                <a16:creationId xmlns:a16="http://schemas.microsoft.com/office/drawing/2014/main" id="{D4FED8D7-7FE6-B1BD-794F-513A5A344E7D}"/>
+              </a:ext>
+            </a:extLst>
+          </p:cNvPr>
+          <p:cNvSpPr>
+            <a:spLocks noGrp="1"/>
+          </p:cNvSpPr>
+          <p:nvPr>
+            <p:ph idx="1"/>
+          </p:nvPr>
+        </p:nvSpPr>
+        <p:spPr>
+          <a:xfrm>
+            <a:off x="284408" y="1262374"/>
+            <a:ext cx="3568097" cy="4852277"/>
+          </a:xfrm>
+        </p:spPr>
+        <p:txBody>
+          <a:bodyPr/>
+          <a:lstStyle/>
+          <a:p>
+            <a:pPr marL="0" indent="0">
+              <a:buNone/>
+            </a:pPr>
+            <a:r>
+              <a:rPr lang="en-US" dirty="0"/>
+              <a:t>If you already have </a:t>
+            </a:r>
+            <a:r>
+              <a:rPr lang="en-US" dirty="0" err="1"/>
+              <a:t>github</a:t>
+            </a:r>
+            <a:r>
+              <a:rPr lang="en-US" dirty="0"/>
+              <a:t> installed:</a:t>
+            </a:r>
+          </a:p>
+          <a:p>
+            <a:pPr marL="0" indent="0">
+              <a:buNone/>
+            </a:pPr>
+            <a:endParaRPr lang="en-US" dirty="0"/>
+          </a:p>
+          <a:p>
+            <a:pPr marL="800100" lvl="1" indent="-342900">
+              <a:buFont typeface="+mj-lt"/>
+              <a:buAutoNum type="arabicPeriod"/>
+            </a:pPr>
+            <a:r>
+              <a:rPr lang="en-US" sz="1600" dirty="0"/>
+              <a:t>In your Github editor add your repository to your </a:t>
+            </a:r>
+            <a:r>
+              <a:rPr lang="en-US" sz="1600" dirty="0" err="1"/>
+              <a:t>github</a:t>
+            </a:r>
+            <a:r>
+              <a:rPr lang="en-US" sz="1600" dirty="0"/>
+              <a:t> account</a:t>
+            </a:r>
+          </a:p>
+          <a:p>
+            <a:pPr marL="800100" lvl="1" indent="-342900">
+              <a:buFont typeface="+mj-lt"/>
+              <a:buAutoNum type="arabicPeriod"/>
+            </a:pPr>
+            <a:r>
+              <a:rPr lang="en-US" sz="1600" dirty="0"/>
+              <a:t>Publish to the web (publicly or privately)</a:t>
+            </a:r>
+          </a:p>
+          <a:p>
+            <a:pPr marL="800100" lvl="1" indent="-342900">
+              <a:buFont typeface="+mj-lt"/>
+              <a:buAutoNum type="arabicPeriod"/>
+            </a:pPr>
+            <a:endParaRPr lang="en-US" sz="1600" dirty="0"/>
+          </a:p>
+          <a:p>
+            <a:pPr marL="800100" lvl="1" indent="-342900">
+              <a:buFont typeface="+mj-lt"/>
+              <a:buAutoNum type="arabicPeriod"/>
+            </a:pPr>
+            <a:endParaRPr lang="en-US" sz="1600" dirty="0"/>
+          </a:p>
+          <a:p>
+            <a:pPr marL="800100" lvl="1" indent="-342900">
+              <a:buFont typeface="+mj-lt"/>
+              <a:buAutoNum type="arabicPeriod"/>
+            </a:pPr>
+            <a:endParaRPr lang="en-US" sz="1600" dirty="0"/>
+          </a:p>
+          <a:p>
+            <a:pPr marL="457200" lvl="1" indent="0">
+              <a:buNone/>
+            </a:pPr>
+            <a:endParaRPr lang="en-US" sz="1800" dirty="0"/>
+          </a:p>
+          <a:p>
+            <a:pPr marL="457200" lvl="1" indent="0">
+              <a:buNone/>
+            </a:pPr>
+            <a:endParaRPr lang="en-US" sz="1600" dirty="0"/>
+          </a:p>
+          <a:p>
+            <a:pPr marL="457200" lvl="1" indent="0">
+              <a:buNone/>
+            </a:pPr>
+            <a:endParaRPr lang="en-US" sz="1600" dirty="0"/>
+          </a:p>
+          <a:p>
+            <a:pPr marL="457200" lvl="1" indent="0">
+              <a:buNone/>
+            </a:pPr>
+            <a:endParaRPr lang="en-US" sz="1600" dirty="0"/>
+          </a:p>
+          <a:p>
+            <a:pPr marL="457200" lvl="1" indent="0">
+              <a:buNone/>
+            </a:pPr>
+            <a:endParaRPr lang="en-US" sz="1600" dirty="0"/>
+          </a:p>
+          <a:p>
+            <a:pPr lvl="1"/>
+            <a:endParaRPr lang="en-US" sz="1600" dirty="0"/>
+          </a:p>
+        </p:txBody>
+      </p:sp>
+      <p:pic>
+        <p:nvPicPr>
+          <p:cNvPr id="3" name="Picture 2" descr="A screenshot of a computer&#10;&#10;Description automatically generated">
+            <a:extLst>
+              <a:ext uri="{FF2B5EF4-FFF2-40B4-BE49-F238E27FC236}">
+                <a16:creationId xmlns:a16="http://schemas.microsoft.com/office/drawing/2014/main" id="{4B62423E-53D9-8F9C-42CA-8F26858B283D}"/>
               </a:ext>
             </a:extLst>
           </p:cNvPr>
@@ -4510,102 +5541,20 @@
         </p:blipFill>
         <p:spPr>
           <a:xfrm>
-            <a:off x="284408" y="1265144"/>
-            <a:ext cx="3390900" cy="1625600"/>
+            <a:off x="7241133" y="3674853"/>
+            <a:ext cx="4653657" cy="3069951"/>
           </a:xfrm>
           <a:prstGeom prst="rect">
             <a:avLst/>
           </a:prstGeom>
         </p:spPr>
       </p:pic>
-      <p:sp>
-        <p:nvSpPr>
-          <p:cNvPr id="30" name="Right Brace 29">
+      <p:pic>
+        <p:nvPicPr>
+          <p:cNvPr id="6" name="Picture 5" descr="A screenshot of a computer&#10;&#10;Description automatically generated">
             <a:extLst>
               <a:ext uri="{FF2B5EF4-FFF2-40B4-BE49-F238E27FC236}">
-                <a16:creationId xmlns:a16="http://schemas.microsoft.com/office/drawing/2014/main" id="{D3A600BE-A16F-6B3C-9A67-8B2193CC2053}"/>
-              </a:ext>
-            </a:extLst>
-          </p:cNvPr>
-          <p:cNvSpPr/>
-          <p:nvPr/>
-        </p:nvSpPr>
-        <p:spPr>
-          <a:xfrm>
-            <a:off x="3825025" y="1265144"/>
-            <a:ext cx="425003" cy="1625600"/>
-          </a:xfrm>
-          <a:prstGeom prst="rightBrace">
-            <a:avLst>
-              <a:gd name="adj1" fmla="val 59848"/>
-              <a:gd name="adj2" fmla="val 47623"/>
-            </a:avLst>
-          </a:prstGeom>
-        </p:spPr>
-        <p:style>
-          <a:lnRef idx="2">
-            <a:schemeClr val="accent1"/>
-          </a:lnRef>
-          <a:fillRef idx="0">
-            <a:schemeClr val="accent1"/>
-          </a:fillRef>
-          <a:effectRef idx="1">
-            <a:schemeClr val="accent1"/>
-          </a:effectRef>
-          <a:fontRef idx="minor">
-            <a:schemeClr val="tx1"/>
-          </a:fontRef>
-        </p:style>
-        <p:txBody>
-          <a:bodyPr rtlCol="0" anchor="ctr"/>
-          <a:lstStyle/>
-          <a:p>
-            <a:pPr algn="ctr"/>
-            <a:endParaRPr lang="en-US"/>
-          </a:p>
-        </p:txBody>
-      </p:sp>
-      <p:sp>
-        <p:nvSpPr>
-          <p:cNvPr id="31" name="TextBox 30">
-            <a:extLst>
-              <a:ext uri="{FF2B5EF4-FFF2-40B4-BE49-F238E27FC236}">
-                <a16:creationId xmlns:a16="http://schemas.microsoft.com/office/drawing/2014/main" id="{C62E5193-A3CA-97E1-0DD4-F261D62B9FEF}"/>
-              </a:ext>
-            </a:extLst>
-          </p:cNvPr>
-          <p:cNvSpPr txBox="1"/>
-          <p:nvPr/>
-        </p:nvSpPr>
-        <p:spPr>
-          <a:xfrm>
-            <a:off x="4250028" y="1754778"/>
-            <a:ext cx="2202287" cy="646331"/>
-          </a:xfrm>
-          <a:prstGeom prst="rect">
-            <a:avLst/>
-          </a:prstGeom>
-          <a:noFill/>
-        </p:spPr>
-        <p:txBody>
-          <a:bodyPr wrap="square" rtlCol="0">
-            <a:spAutoFit/>
-          </a:bodyPr>
-          <a:lstStyle/>
-          <a:p>
-            <a:r>
-              <a:rPr lang="en-US" dirty="0"/>
-              <a:t>Your header and formatting info</a:t>
-            </a:r>
-          </a:p>
-        </p:txBody>
-      </p:sp>
-      <p:pic>
-        <p:nvPicPr>
-          <p:cNvPr id="33" name="Picture 32" descr="A close-up of a sign&#10;&#10;Description automatically generated">
-            <a:extLst>
-              <a:ext uri="{FF2B5EF4-FFF2-40B4-BE49-F238E27FC236}">
-                <a16:creationId xmlns:a16="http://schemas.microsoft.com/office/drawing/2014/main" id="{29C71D02-2408-BFE1-A0D8-37E7BF08ED7B}"/>
+                <a16:creationId xmlns:a16="http://schemas.microsoft.com/office/drawing/2014/main" id="{DDF85878-6ACF-FEB0-2BAC-12085F26FD47}"/>
               </a:ext>
             </a:extLst>
           </p:cNvPr>
@@ -4622,529 +5571,18 @@
         </p:blipFill>
         <p:spPr>
           <a:xfrm>
-            <a:off x="284408" y="3193598"/>
-            <a:ext cx="4343400" cy="749300"/>
+            <a:off x="7241133" y="223558"/>
+            <a:ext cx="4666459" cy="3205442"/>
           </a:xfrm>
           <a:prstGeom prst="rect">
             <a:avLst/>
           </a:prstGeom>
         </p:spPr>
       </p:pic>
-      <p:sp>
-        <p:nvSpPr>
-          <p:cNvPr id="34" name="Right Brace 33">
-            <a:extLst>
-              <a:ext uri="{FF2B5EF4-FFF2-40B4-BE49-F238E27FC236}">
-                <a16:creationId xmlns:a16="http://schemas.microsoft.com/office/drawing/2014/main" id="{64F5B0DC-8C89-B52D-2FDD-62518D71631A}"/>
-              </a:ext>
-            </a:extLst>
-          </p:cNvPr>
-          <p:cNvSpPr/>
-          <p:nvPr/>
-        </p:nvSpPr>
-        <p:spPr>
-          <a:xfrm>
-            <a:off x="4788794" y="3193598"/>
-            <a:ext cx="425003" cy="749300"/>
-          </a:xfrm>
-          <a:prstGeom prst="rightBrace">
-            <a:avLst>
-              <a:gd name="adj1" fmla="val 59848"/>
-              <a:gd name="adj2" fmla="val 47623"/>
-            </a:avLst>
-          </a:prstGeom>
-        </p:spPr>
-        <p:style>
-          <a:lnRef idx="2">
-            <a:schemeClr val="accent1"/>
-          </a:lnRef>
-          <a:fillRef idx="0">
-            <a:schemeClr val="accent1"/>
-          </a:fillRef>
-          <a:effectRef idx="1">
-            <a:schemeClr val="accent1"/>
-          </a:effectRef>
-          <a:fontRef idx="minor">
-            <a:schemeClr val="tx1"/>
-          </a:fontRef>
-        </p:style>
-        <p:txBody>
-          <a:bodyPr rtlCol="0" anchor="ctr"/>
-          <a:lstStyle/>
-          <a:p>
-            <a:pPr algn="ctr"/>
-            <a:endParaRPr lang="en-US"/>
-          </a:p>
-        </p:txBody>
-      </p:sp>
-      <p:sp>
-        <p:nvSpPr>
-          <p:cNvPr id="35" name="TextBox 34">
-            <a:extLst>
-              <a:ext uri="{FF2B5EF4-FFF2-40B4-BE49-F238E27FC236}">
-                <a16:creationId xmlns:a16="http://schemas.microsoft.com/office/drawing/2014/main" id="{0E852656-FCB0-4F64-4156-040CE01031B8}"/>
-              </a:ext>
-            </a:extLst>
-          </p:cNvPr>
-          <p:cNvSpPr txBox="1"/>
-          <p:nvPr/>
-        </p:nvSpPr>
-        <p:spPr>
-          <a:xfrm>
-            <a:off x="5213797" y="3383582"/>
-            <a:ext cx="2844085" cy="369332"/>
-          </a:xfrm>
-          <a:prstGeom prst="rect">
-            <a:avLst/>
-          </a:prstGeom>
-          <a:noFill/>
-        </p:spPr>
-        <p:txBody>
-          <a:bodyPr wrap="square" rtlCol="0">
-            <a:spAutoFit/>
-          </a:bodyPr>
-          <a:lstStyle/>
-          <a:p>
-            <a:r>
-              <a:rPr lang="en-US" dirty="0"/>
-              <a:t>Rmd formatting options</a:t>
-            </a:r>
-          </a:p>
-        </p:txBody>
-      </p:sp>
-      <p:pic>
-        <p:nvPicPr>
-          <p:cNvPr id="37" name="Picture 36" descr="A white background with a black border&#10;&#10;Description automatically generated with medium confidence">
-            <a:extLst>
-              <a:ext uri="{FF2B5EF4-FFF2-40B4-BE49-F238E27FC236}">
-                <a16:creationId xmlns:a16="http://schemas.microsoft.com/office/drawing/2014/main" id="{4765D305-5A9D-1C7A-0CFF-F8032E17D9A2}"/>
-              </a:ext>
-            </a:extLst>
-          </p:cNvPr>
-          <p:cNvPicPr>
-            <a:picLocks noChangeAspect="1"/>
-          </p:cNvPicPr>
-          <p:nvPr/>
-        </p:nvPicPr>
-        <p:blipFill>
-          <a:blip r:embed="rId4"/>
-          <a:stretch>
-            <a:fillRect/>
-          </a:stretch>
-        </p:blipFill>
-        <p:spPr>
-          <a:xfrm>
-            <a:off x="3057808" y="4752287"/>
-            <a:ext cx="1257300" cy="317500"/>
-          </a:xfrm>
-          <a:prstGeom prst="rect">
-            <a:avLst/>
-          </a:prstGeom>
-        </p:spPr>
-      </p:pic>
-      <p:pic>
-        <p:nvPicPr>
-          <p:cNvPr id="39" name="Picture 38">
-            <a:extLst>
-              <a:ext uri="{FF2B5EF4-FFF2-40B4-BE49-F238E27FC236}">
-                <a16:creationId xmlns:a16="http://schemas.microsoft.com/office/drawing/2014/main" id="{1E52DD15-CC94-A28E-B228-04726777D24E}"/>
-              </a:ext>
-            </a:extLst>
-          </p:cNvPr>
-          <p:cNvPicPr>
-            <a:picLocks noChangeAspect="1"/>
-          </p:cNvPicPr>
-          <p:nvPr/>
-        </p:nvPicPr>
-        <p:blipFill>
-          <a:blip r:embed="rId5"/>
-          <a:stretch>
-            <a:fillRect/>
-          </a:stretch>
-        </p:blipFill>
-        <p:spPr>
-          <a:xfrm>
-            <a:off x="3010958" y="4946737"/>
-            <a:ext cx="1651000" cy="228600"/>
-          </a:xfrm>
-          <a:prstGeom prst="rect">
-            <a:avLst/>
-          </a:prstGeom>
-        </p:spPr>
-      </p:pic>
-      <p:pic>
-        <p:nvPicPr>
-          <p:cNvPr id="41" name="Picture 40" descr="A screenshot of a computer program&#10;&#10;Description automatically generated">
-            <a:extLst>
-              <a:ext uri="{FF2B5EF4-FFF2-40B4-BE49-F238E27FC236}">
-                <a16:creationId xmlns:a16="http://schemas.microsoft.com/office/drawing/2014/main" id="{0D465B05-D3C1-E21D-34BC-6C3A27E875E6}"/>
-              </a:ext>
-            </a:extLst>
-          </p:cNvPr>
-          <p:cNvPicPr>
-            <a:picLocks noChangeAspect="1"/>
-          </p:cNvPicPr>
-          <p:nvPr/>
-        </p:nvPicPr>
-        <p:blipFill rotWithShape="1">
-          <a:blip r:embed="rId6"/>
-          <a:srcRect r="14451"/>
-          <a:stretch/>
-        </p:blipFill>
-        <p:spPr>
-          <a:xfrm>
-            <a:off x="284408" y="4195037"/>
-            <a:ext cx="6334106" cy="2032000"/>
-          </a:xfrm>
-          <a:prstGeom prst="rect">
-            <a:avLst/>
-          </a:prstGeom>
-        </p:spPr>
-      </p:pic>
-      <p:pic>
-        <p:nvPicPr>
-          <p:cNvPr id="43" name="Picture 42" descr="A blue text on a white background&#10;&#10;Description automatically generated">
-            <a:extLst>
-              <a:ext uri="{FF2B5EF4-FFF2-40B4-BE49-F238E27FC236}">
-                <a16:creationId xmlns:a16="http://schemas.microsoft.com/office/drawing/2014/main" id="{3330E629-54A4-8995-D822-CD2716C82A65}"/>
-              </a:ext>
-            </a:extLst>
-          </p:cNvPr>
-          <p:cNvPicPr>
-            <a:picLocks noChangeAspect="1"/>
-          </p:cNvPicPr>
-          <p:nvPr/>
-        </p:nvPicPr>
-        <p:blipFill>
-          <a:blip r:embed="rId7"/>
-          <a:stretch>
-            <a:fillRect/>
-          </a:stretch>
-        </p:blipFill>
-        <p:spPr>
-          <a:xfrm>
-            <a:off x="6876006" y="1171551"/>
-            <a:ext cx="2324100" cy="431800"/>
-          </a:xfrm>
-          <a:prstGeom prst="rect">
-            <a:avLst/>
-          </a:prstGeom>
-        </p:spPr>
-      </p:pic>
-      <p:sp>
-        <p:nvSpPr>
-          <p:cNvPr id="44" name="Right Brace 43">
-            <a:extLst>
-              <a:ext uri="{FF2B5EF4-FFF2-40B4-BE49-F238E27FC236}">
-                <a16:creationId xmlns:a16="http://schemas.microsoft.com/office/drawing/2014/main" id="{50D2803C-6A5D-765C-0190-DDC2829E99CC}"/>
-              </a:ext>
-            </a:extLst>
-          </p:cNvPr>
-          <p:cNvSpPr/>
-          <p:nvPr/>
-        </p:nvSpPr>
-        <p:spPr>
-          <a:xfrm>
-            <a:off x="6876006" y="4195037"/>
-            <a:ext cx="425003" cy="2032000"/>
-          </a:xfrm>
-          <a:prstGeom prst="rightBrace">
-            <a:avLst>
-              <a:gd name="adj1" fmla="val 59848"/>
-              <a:gd name="adj2" fmla="val 47623"/>
-            </a:avLst>
-          </a:prstGeom>
-        </p:spPr>
-        <p:style>
-          <a:lnRef idx="2">
-            <a:schemeClr val="accent1"/>
-          </a:lnRef>
-          <a:fillRef idx="0">
-            <a:schemeClr val="accent1"/>
-          </a:fillRef>
-          <a:effectRef idx="1">
-            <a:schemeClr val="accent1"/>
-          </a:effectRef>
-          <a:fontRef idx="minor">
-            <a:schemeClr val="tx1"/>
-          </a:fontRef>
-        </p:style>
-        <p:txBody>
-          <a:bodyPr rtlCol="0" anchor="ctr"/>
-          <a:lstStyle/>
-          <a:p>
-            <a:pPr algn="ctr"/>
-            <a:endParaRPr lang="en-US"/>
-          </a:p>
-        </p:txBody>
-      </p:sp>
-      <p:sp>
-        <p:nvSpPr>
-          <p:cNvPr id="45" name="TextBox 44">
-            <a:extLst>
-              <a:ext uri="{FF2B5EF4-FFF2-40B4-BE49-F238E27FC236}">
-                <a16:creationId xmlns:a16="http://schemas.microsoft.com/office/drawing/2014/main" id="{DAEA3CF4-482B-ED75-E8BB-5FD30829E3A0}"/>
-              </a:ext>
-            </a:extLst>
-          </p:cNvPr>
-          <p:cNvSpPr txBox="1"/>
-          <p:nvPr/>
-        </p:nvSpPr>
-        <p:spPr>
-          <a:xfrm>
-            <a:off x="7301009" y="4990671"/>
-            <a:ext cx="2844085" cy="369332"/>
-          </a:xfrm>
-          <a:prstGeom prst="rect">
-            <a:avLst/>
-          </a:prstGeom>
-          <a:noFill/>
-        </p:spPr>
-        <p:txBody>
-          <a:bodyPr wrap="square" rtlCol="0">
-            <a:spAutoFit/>
-          </a:bodyPr>
-          <a:lstStyle/>
-          <a:p>
-            <a:r>
-              <a:rPr lang="en-US" dirty="0"/>
-              <a:t>R code</a:t>
-            </a:r>
-          </a:p>
-        </p:txBody>
-      </p:sp>
-      <p:sp>
-        <p:nvSpPr>
-          <p:cNvPr id="46" name="TextBox 45">
-            <a:extLst>
-              <a:ext uri="{FF2B5EF4-FFF2-40B4-BE49-F238E27FC236}">
-                <a16:creationId xmlns:a16="http://schemas.microsoft.com/office/drawing/2014/main" id="{CEE5E4FD-A7C9-928A-702E-D61AD275E93D}"/>
-              </a:ext>
-            </a:extLst>
-          </p:cNvPr>
-          <p:cNvSpPr txBox="1"/>
-          <p:nvPr/>
-        </p:nvSpPr>
-        <p:spPr>
-          <a:xfrm>
-            <a:off x="1906745" y="6358278"/>
-            <a:ext cx="4658762" cy="369332"/>
-          </a:xfrm>
-          <a:prstGeom prst="rect">
-            <a:avLst/>
-          </a:prstGeom>
-          <a:noFill/>
-        </p:spPr>
-        <p:txBody>
-          <a:bodyPr wrap="square" rtlCol="0">
-            <a:spAutoFit/>
-          </a:bodyPr>
-          <a:lstStyle/>
-          <a:p>
-            <a:r>
-              <a:rPr lang="en-US" dirty="0"/>
-              <a:t>End of R code with Rmd format options</a:t>
-            </a:r>
-          </a:p>
-        </p:txBody>
-      </p:sp>
-      <p:pic>
-        <p:nvPicPr>
-          <p:cNvPr id="48" name="Picture 47" descr="A white background with a black border&#10;&#10;Description automatically generated with medium confidence">
-            <a:extLst>
-              <a:ext uri="{FF2B5EF4-FFF2-40B4-BE49-F238E27FC236}">
-                <a16:creationId xmlns:a16="http://schemas.microsoft.com/office/drawing/2014/main" id="{6FF8F825-44E3-0F87-E08D-DD18616C27BD}"/>
-              </a:ext>
-            </a:extLst>
-          </p:cNvPr>
-          <p:cNvPicPr>
-            <a:picLocks noChangeAspect="1"/>
-          </p:cNvPicPr>
-          <p:nvPr/>
-        </p:nvPicPr>
-        <p:blipFill rotWithShape="1">
-          <a:blip r:embed="rId4"/>
-          <a:srcRect t="15192" b="22331"/>
-          <a:stretch/>
-        </p:blipFill>
-        <p:spPr>
-          <a:xfrm>
-            <a:off x="283066" y="6412978"/>
-            <a:ext cx="1305004" cy="205888"/>
-          </a:xfrm>
-          <a:prstGeom prst="rect">
-            <a:avLst/>
-          </a:prstGeom>
-        </p:spPr>
-      </p:pic>
-      <p:sp>
-        <p:nvSpPr>
-          <p:cNvPr id="49" name="Right Brace 48">
-            <a:extLst>
-              <a:ext uri="{FF2B5EF4-FFF2-40B4-BE49-F238E27FC236}">
-                <a16:creationId xmlns:a16="http://schemas.microsoft.com/office/drawing/2014/main" id="{3079B7B0-7F50-3BDC-9031-6EACFF5D2D81}"/>
-              </a:ext>
-            </a:extLst>
-          </p:cNvPr>
-          <p:cNvSpPr/>
-          <p:nvPr/>
-        </p:nvSpPr>
-        <p:spPr>
-          <a:xfrm>
-            <a:off x="1632473" y="6422084"/>
-            <a:ext cx="245436" cy="205888"/>
-          </a:xfrm>
-          <a:prstGeom prst="rightBrace">
-            <a:avLst>
-              <a:gd name="adj1" fmla="val 59848"/>
-              <a:gd name="adj2" fmla="val 47623"/>
-            </a:avLst>
-          </a:prstGeom>
-        </p:spPr>
-        <p:style>
-          <a:lnRef idx="2">
-            <a:schemeClr val="accent1"/>
-          </a:lnRef>
-          <a:fillRef idx="0">
-            <a:schemeClr val="accent1"/>
-          </a:fillRef>
-          <a:effectRef idx="1">
-            <a:schemeClr val="accent1"/>
-          </a:effectRef>
-          <a:fontRef idx="minor">
-            <a:schemeClr val="tx1"/>
-          </a:fontRef>
-        </p:style>
-        <p:txBody>
-          <a:bodyPr rtlCol="0" anchor="ctr"/>
-          <a:lstStyle/>
-          <a:p>
-            <a:pPr algn="ctr"/>
-            <a:endParaRPr lang="en-US"/>
-          </a:p>
-        </p:txBody>
-      </p:sp>
-      <p:sp>
-        <p:nvSpPr>
-          <p:cNvPr id="50" name="Right Brace 49">
-            <a:extLst>
-              <a:ext uri="{FF2B5EF4-FFF2-40B4-BE49-F238E27FC236}">
-                <a16:creationId xmlns:a16="http://schemas.microsoft.com/office/drawing/2014/main" id="{7378CE75-0541-7589-6C86-8DAFE85D2B24}"/>
-              </a:ext>
-            </a:extLst>
-          </p:cNvPr>
-          <p:cNvSpPr/>
-          <p:nvPr/>
-        </p:nvSpPr>
-        <p:spPr>
-          <a:xfrm>
-            <a:off x="9518055" y="1158936"/>
-            <a:ext cx="425003" cy="431800"/>
-          </a:xfrm>
-          <a:prstGeom prst="rightBrace">
-            <a:avLst>
-              <a:gd name="adj1" fmla="val 59848"/>
-              <a:gd name="adj2" fmla="val 47623"/>
-            </a:avLst>
-          </a:prstGeom>
-        </p:spPr>
-        <p:style>
-          <a:lnRef idx="2">
-            <a:schemeClr val="accent1"/>
-          </a:lnRef>
-          <a:fillRef idx="0">
-            <a:schemeClr val="accent1"/>
-          </a:fillRef>
-          <a:effectRef idx="1">
-            <a:schemeClr val="accent1"/>
-          </a:effectRef>
-          <a:fontRef idx="minor">
-            <a:schemeClr val="tx1"/>
-          </a:fontRef>
-        </p:style>
-        <p:txBody>
-          <a:bodyPr rtlCol="0" anchor="ctr"/>
-          <a:lstStyle/>
-          <a:p>
-            <a:pPr algn="ctr"/>
-            <a:endParaRPr lang="en-US"/>
-          </a:p>
-        </p:txBody>
-      </p:sp>
-      <p:sp>
-        <p:nvSpPr>
-          <p:cNvPr id="51" name="TextBox 50">
-            <a:extLst>
-              <a:ext uri="{FF2B5EF4-FFF2-40B4-BE49-F238E27FC236}">
-                <a16:creationId xmlns:a16="http://schemas.microsoft.com/office/drawing/2014/main" id="{5FE73DCF-46D4-BAD4-F37C-6314BA58F700}"/>
-              </a:ext>
-            </a:extLst>
-          </p:cNvPr>
-          <p:cNvSpPr txBox="1"/>
-          <p:nvPr/>
-        </p:nvSpPr>
-        <p:spPr>
-          <a:xfrm>
-            <a:off x="9979816" y="1190170"/>
-            <a:ext cx="2844085" cy="369332"/>
-          </a:xfrm>
-          <a:prstGeom prst="rect">
-            <a:avLst/>
-          </a:prstGeom>
-          <a:noFill/>
-        </p:spPr>
-        <p:txBody>
-          <a:bodyPr wrap="square" rtlCol="0">
-            <a:spAutoFit/>
-          </a:bodyPr>
-          <a:lstStyle/>
-          <a:p>
-            <a:r>
-              <a:rPr lang="en-US" dirty="0"/>
-              <a:t>Header</a:t>
-            </a:r>
-          </a:p>
-        </p:txBody>
-      </p:sp>
-      <p:sp>
-        <p:nvSpPr>
-          <p:cNvPr id="53" name="TextBox 52">
-            <a:extLst>
-              <a:ext uri="{FF2B5EF4-FFF2-40B4-BE49-F238E27FC236}">
-                <a16:creationId xmlns:a16="http://schemas.microsoft.com/office/drawing/2014/main" id="{2C7CE6F0-588A-5978-50FD-5C2A90372699}"/>
-              </a:ext>
-            </a:extLst>
-          </p:cNvPr>
-          <p:cNvSpPr txBox="1"/>
-          <p:nvPr/>
-        </p:nvSpPr>
-        <p:spPr>
-          <a:xfrm>
-            <a:off x="6874130" y="2254123"/>
-            <a:ext cx="6410324" cy="523220"/>
-          </a:xfrm>
-          <a:prstGeom prst="rect">
-            <a:avLst/>
-          </a:prstGeom>
-          <a:noFill/>
-        </p:spPr>
-        <p:txBody>
-          <a:bodyPr wrap="square">
-            <a:spAutoFit/>
-          </a:bodyPr>
-          <a:lstStyle/>
-          <a:p>
-            <a:r>
-              <a:rPr lang="en-US" sz="2800" b="1" dirty="0"/>
-              <a:t>That’s it!</a:t>
-            </a:r>
-          </a:p>
-        </p:txBody>
-      </p:sp>
     </p:spTree>
     <p:extLst>
       <p:ext uri="{BB962C8B-B14F-4D97-AF65-F5344CB8AC3E}">
-        <p14:creationId xmlns:p14="http://schemas.microsoft.com/office/powerpoint/2010/main" val="1513230244"/>
+        <p14:creationId xmlns:p14="http://schemas.microsoft.com/office/powerpoint/2010/main" val="1575731748"/>
       </p:ext>
     </p:extLst>
   </p:cSld>

--- a/Lab_mtg_Jun12.pptx
+++ b/Lab_mtg_Jun12.pptx
@@ -11,6 +11,9 @@
     <p:sldId id="260" r:id="rId5"/>
     <p:sldId id="259" r:id="rId6"/>
     <p:sldId id="261" r:id="rId7"/>
+    <p:sldId id="263" r:id="rId8"/>
+    <p:sldId id="264" r:id="rId9"/>
+    <p:sldId id="262" r:id="rId10"/>
   </p:sldIdLst>
   <p:sldSz cx="12192000" cy="6858000"/>
   <p:notesSz cx="6858000" cy="9144000"/>
@@ -109,6 +112,11 @@
       </a:defRPr>
     </a:lvl9pPr>
   </p:defaultTextStyle>
+  <p:extLst>
+    <p:ext uri="{EFAFB233-063F-42B5-8137-9DF3F51BA10A}">
+      <p15:sldGuideLst xmlns:p15="http://schemas.microsoft.com/office/powerpoint/2012/main"/>
+    </p:ext>
+  </p:extLst>
 </p:presentation>
 </file>
 
@@ -5405,7 +5413,7 @@
         <p:spPr>
           <a:xfrm>
             <a:off x="284408" y="1262374"/>
-            <a:ext cx="3568097" cy="4852277"/>
+            <a:ext cx="4653657" cy="4852277"/>
           </a:xfrm>
         </p:spPr>
         <p:txBody>
@@ -5417,15 +5425,7 @@
             </a:pPr>
             <a:r>
               <a:rPr lang="en-US" dirty="0"/>
-              <a:t>If you already have </a:t>
-            </a:r>
-            <a:r>
-              <a:rPr lang="en-US" dirty="0" err="1"/>
-              <a:t>github</a:t>
-            </a:r>
-            <a:r>
-              <a:rPr lang="en-US" dirty="0"/>
-              <a:t> installed:</a:t>
+              <a:t>Match up repositories:</a:t>
             </a:r>
           </a:p>
           <a:p>
@@ -5440,15 +5440,15 @@
               <a:buAutoNum type="arabicPeriod"/>
             </a:pPr>
             <a:r>
-              <a:rPr lang="en-US" sz="1600" dirty="0"/>
+              <a:rPr lang="en-US" sz="2200" dirty="0"/>
               <a:t>In your Github editor add your repository to your </a:t>
             </a:r>
             <a:r>
-              <a:rPr lang="en-US" sz="1600" dirty="0" err="1"/>
+              <a:rPr lang="en-US" sz="2200" dirty="0" err="1"/>
               <a:t>github</a:t>
             </a:r>
             <a:r>
-              <a:rPr lang="en-US" sz="1600" dirty="0"/>
+              <a:rPr lang="en-US" sz="2200" dirty="0"/>
               <a:t> account</a:t>
             </a:r>
           </a:p>
@@ -5458,7 +5458,7 @@
               <a:buAutoNum type="arabicPeriod"/>
             </a:pPr>
             <a:r>
-              <a:rPr lang="en-US" sz="1600" dirty="0"/>
+              <a:rPr lang="en-US" sz="2200" dirty="0"/>
               <a:t>Publish to the web (publicly or privately)</a:t>
             </a:r>
           </a:p>
@@ -5467,7 +5467,7 @@
               <a:buFont typeface="+mj-lt"/>
               <a:buAutoNum type="arabicPeriod"/>
             </a:pPr>
-            <a:endParaRPr lang="en-US" sz="1600" dirty="0"/>
+            <a:endParaRPr lang="en-US" sz="2200" dirty="0"/>
           </a:p>
           <a:p>
             <a:pPr marL="800100" lvl="1" indent="-342900">
@@ -5583,6 +5583,597 @@
     <p:extLst>
       <p:ext uri="{BB962C8B-B14F-4D97-AF65-F5344CB8AC3E}">
         <p14:creationId xmlns:p14="http://schemas.microsoft.com/office/powerpoint/2010/main" val="1575731748"/>
+      </p:ext>
+    </p:extLst>
+  </p:cSld>
+  <p:clrMapOvr>
+    <a:masterClrMapping/>
+  </p:clrMapOvr>
+</p:sld>
+</file>
+
+<file path=ppt/slides/slide7.xml><?xml version="1.0" encoding="utf-8"?>
+<p:sld xmlns:a="http://schemas.openxmlformats.org/drawingml/2006/main" xmlns:r="http://schemas.openxmlformats.org/officeDocument/2006/relationships" xmlns:p="http://schemas.openxmlformats.org/presentationml/2006/main">
+  <p:cSld>
+    <p:spTree>
+      <p:nvGrpSpPr>
+        <p:cNvPr id="1" name=""/>
+        <p:cNvGrpSpPr/>
+        <p:nvPr/>
+      </p:nvGrpSpPr>
+      <p:grpSpPr>
+        <a:xfrm>
+          <a:off x="0" y="0"/>
+          <a:ext cx="0" cy="0"/>
+          <a:chOff x="0" y="0"/>
+          <a:chExt cx="0" cy="0"/>
+        </a:xfrm>
+      </p:grpSpPr>
+      <p:sp>
+        <p:nvSpPr>
+          <p:cNvPr id="24" name="Title 1">
+            <a:extLst>
+              <a:ext uri="{FF2B5EF4-FFF2-40B4-BE49-F238E27FC236}">
+                <a16:creationId xmlns:a16="http://schemas.microsoft.com/office/drawing/2014/main" id="{9E6CC1F2-E857-B9D9-0495-E62895824F71}"/>
+              </a:ext>
+            </a:extLst>
+          </p:cNvPr>
+          <p:cNvSpPr>
+            <a:spLocks noGrp="1"/>
+          </p:cNvSpPr>
+          <p:nvPr>
+            <p:ph type="title"/>
+          </p:nvPr>
+        </p:nvSpPr>
+        <p:spPr>
+          <a:xfrm>
+            <a:off x="284408" y="126361"/>
+            <a:ext cx="10515600" cy="1325563"/>
+          </a:xfrm>
+        </p:spPr>
+        <p:txBody>
+          <a:bodyPr/>
+          <a:lstStyle/>
+          <a:p>
+            <a:r>
+              <a:rPr lang="en-US" i="1" dirty="0"/>
+              <a:t>Make a chord diagram</a:t>
+            </a:r>
+          </a:p>
+        </p:txBody>
+      </p:sp>
+      <p:sp>
+        <p:nvSpPr>
+          <p:cNvPr id="22" name="Content Placeholder 2">
+            <a:extLst>
+              <a:ext uri="{FF2B5EF4-FFF2-40B4-BE49-F238E27FC236}">
+                <a16:creationId xmlns:a16="http://schemas.microsoft.com/office/drawing/2014/main" id="{D4FED8D7-7FE6-B1BD-794F-513A5A344E7D}"/>
+              </a:ext>
+            </a:extLst>
+          </p:cNvPr>
+          <p:cNvSpPr>
+            <a:spLocks noGrp="1"/>
+          </p:cNvSpPr>
+          <p:nvPr>
+            <p:ph idx="1"/>
+          </p:nvPr>
+        </p:nvSpPr>
+        <p:spPr>
+          <a:xfrm>
+            <a:off x="284408" y="1262374"/>
+            <a:ext cx="4653657" cy="4852277"/>
+          </a:xfrm>
+        </p:spPr>
+        <p:txBody>
+          <a:bodyPr/>
+          <a:lstStyle/>
+          <a:p>
+            <a:pPr marL="0" indent="0">
+              <a:buNone/>
+            </a:pPr>
+            <a:r>
+              <a:rPr lang="en-US" dirty="0"/>
+              <a:t>Match up repositories:</a:t>
+            </a:r>
+          </a:p>
+          <a:p>
+            <a:pPr marL="0" indent="0">
+              <a:buNone/>
+            </a:pPr>
+            <a:endParaRPr lang="en-US" dirty="0"/>
+          </a:p>
+          <a:p>
+            <a:pPr marL="800100" lvl="1" indent="-342900">
+              <a:buFont typeface="+mj-lt"/>
+              <a:buAutoNum type="arabicPeriod"/>
+            </a:pPr>
+            <a:r>
+              <a:rPr lang="en-US" sz="2200" dirty="0"/>
+              <a:t>In your Github editor add your repository to your </a:t>
+            </a:r>
+            <a:r>
+              <a:rPr lang="en-US" sz="2200" dirty="0" err="1"/>
+              <a:t>github</a:t>
+            </a:r>
+            <a:r>
+              <a:rPr lang="en-US" sz="2200" dirty="0"/>
+              <a:t> account</a:t>
+            </a:r>
+          </a:p>
+          <a:p>
+            <a:pPr marL="800100" lvl="1" indent="-342900">
+              <a:buFont typeface="+mj-lt"/>
+              <a:buAutoNum type="arabicPeriod"/>
+            </a:pPr>
+            <a:r>
+              <a:rPr lang="en-US" sz="2200" dirty="0"/>
+              <a:t>Publish to the web (publicly or privately)</a:t>
+            </a:r>
+          </a:p>
+          <a:p>
+            <a:pPr marL="800100" lvl="1" indent="-342900">
+              <a:buFont typeface="+mj-lt"/>
+              <a:buAutoNum type="arabicPeriod"/>
+            </a:pPr>
+            <a:endParaRPr lang="en-US" sz="2200" dirty="0"/>
+          </a:p>
+          <a:p>
+            <a:pPr marL="800100" lvl="1" indent="-342900">
+              <a:buFont typeface="+mj-lt"/>
+              <a:buAutoNum type="arabicPeriod"/>
+            </a:pPr>
+            <a:endParaRPr lang="en-US" sz="1600" dirty="0"/>
+          </a:p>
+          <a:p>
+            <a:pPr marL="800100" lvl="1" indent="-342900">
+              <a:buFont typeface="+mj-lt"/>
+              <a:buAutoNum type="arabicPeriod"/>
+            </a:pPr>
+            <a:endParaRPr lang="en-US" sz="1600" dirty="0"/>
+          </a:p>
+          <a:p>
+            <a:pPr marL="457200" lvl="1" indent="0">
+              <a:buNone/>
+            </a:pPr>
+            <a:endParaRPr lang="en-US" sz="1800" dirty="0"/>
+          </a:p>
+          <a:p>
+            <a:pPr marL="457200" lvl="1" indent="0">
+              <a:buNone/>
+            </a:pPr>
+            <a:endParaRPr lang="en-US" sz="1600" dirty="0"/>
+          </a:p>
+          <a:p>
+            <a:pPr marL="457200" lvl="1" indent="0">
+              <a:buNone/>
+            </a:pPr>
+            <a:endParaRPr lang="en-US" sz="1600" dirty="0"/>
+          </a:p>
+          <a:p>
+            <a:pPr marL="457200" lvl="1" indent="0">
+              <a:buNone/>
+            </a:pPr>
+            <a:endParaRPr lang="en-US" sz="1600" dirty="0"/>
+          </a:p>
+          <a:p>
+            <a:pPr marL="457200" lvl="1" indent="0">
+              <a:buNone/>
+            </a:pPr>
+            <a:endParaRPr lang="en-US" sz="1600" dirty="0"/>
+          </a:p>
+          <a:p>
+            <a:pPr lvl="1"/>
+            <a:endParaRPr lang="en-US" sz="1600" dirty="0"/>
+          </a:p>
+        </p:txBody>
+      </p:sp>
+    </p:spTree>
+    <p:extLst>
+      <p:ext uri="{BB962C8B-B14F-4D97-AF65-F5344CB8AC3E}">
+        <p14:creationId xmlns:p14="http://schemas.microsoft.com/office/powerpoint/2010/main" val="3241318885"/>
+      </p:ext>
+    </p:extLst>
+  </p:cSld>
+  <p:clrMapOvr>
+    <a:masterClrMapping/>
+  </p:clrMapOvr>
+</p:sld>
+</file>
+
+<file path=ppt/slides/slide8.xml><?xml version="1.0" encoding="utf-8"?>
+<p:sld xmlns:a="http://schemas.openxmlformats.org/drawingml/2006/main" xmlns:r="http://schemas.openxmlformats.org/officeDocument/2006/relationships" xmlns:p="http://schemas.openxmlformats.org/presentationml/2006/main">
+  <p:cSld>
+    <p:spTree>
+      <p:nvGrpSpPr>
+        <p:cNvPr id="1" name=""/>
+        <p:cNvGrpSpPr/>
+        <p:nvPr/>
+      </p:nvGrpSpPr>
+      <p:grpSpPr>
+        <a:xfrm>
+          <a:off x="0" y="0"/>
+          <a:ext cx="0" cy="0"/>
+          <a:chOff x="0" y="0"/>
+          <a:chExt cx="0" cy="0"/>
+        </a:xfrm>
+      </p:grpSpPr>
+      <p:sp>
+        <p:nvSpPr>
+          <p:cNvPr id="24" name="Title 1">
+            <a:extLst>
+              <a:ext uri="{FF2B5EF4-FFF2-40B4-BE49-F238E27FC236}">
+                <a16:creationId xmlns:a16="http://schemas.microsoft.com/office/drawing/2014/main" id="{9E6CC1F2-E857-B9D9-0495-E62895824F71}"/>
+              </a:ext>
+            </a:extLst>
+          </p:cNvPr>
+          <p:cNvSpPr>
+            <a:spLocks noGrp="1"/>
+          </p:cNvSpPr>
+          <p:nvPr>
+            <p:ph type="title"/>
+          </p:nvPr>
+        </p:nvSpPr>
+        <p:spPr>
+          <a:xfrm>
+            <a:off x="284408" y="126361"/>
+            <a:ext cx="10515600" cy="1325563"/>
+          </a:xfrm>
+        </p:spPr>
+        <p:txBody>
+          <a:bodyPr/>
+          <a:lstStyle/>
+          <a:p>
+            <a:r>
+              <a:rPr lang="en-US" i="1" dirty="0"/>
+              <a:t>Make your own diagram</a:t>
+            </a:r>
+          </a:p>
+        </p:txBody>
+      </p:sp>
+      <p:sp>
+        <p:nvSpPr>
+          <p:cNvPr id="19" name="TextBox 18">
+            <a:extLst>
+              <a:ext uri="{FF2B5EF4-FFF2-40B4-BE49-F238E27FC236}">
+                <a16:creationId xmlns:a16="http://schemas.microsoft.com/office/drawing/2014/main" id="{6BD750CB-8ADF-8FCA-A9AD-520AA960395F}"/>
+              </a:ext>
+            </a:extLst>
+          </p:cNvPr>
+          <p:cNvSpPr txBox="1"/>
+          <p:nvPr/>
+        </p:nvSpPr>
+        <p:spPr>
+          <a:xfrm>
+            <a:off x="6845107" y="1697777"/>
+            <a:ext cx="792051" cy="461665"/>
+          </a:xfrm>
+          <a:prstGeom prst="rect">
+            <a:avLst/>
+          </a:prstGeom>
+          <a:noFill/>
+        </p:spPr>
+        <p:txBody>
+          <a:bodyPr wrap="square">
+            <a:spAutoFit/>
+          </a:bodyPr>
+          <a:lstStyle/>
+          <a:p>
+            <a:r>
+              <a:rPr lang="en-US" sz="2400" b="1" i="1" dirty="0"/>
+              <a:t>1</a:t>
+            </a:r>
+            <a:endParaRPr lang="en-US" sz="2400" b="1" dirty="0"/>
+          </a:p>
+        </p:txBody>
+      </p:sp>
+      <p:sp>
+        <p:nvSpPr>
+          <p:cNvPr id="20" name="TextBox 19">
+            <a:extLst>
+              <a:ext uri="{FF2B5EF4-FFF2-40B4-BE49-F238E27FC236}">
+                <a16:creationId xmlns:a16="http://schemas.microsoft.com/office/drawing/2014/main" id="{AB0659C7-F466-C6B0-CC1F-FE5DBBEEC9B5}"/>
+              </a:ext>
+            </a:extLst>
+          </p:cNvPr>
+          <p:cNvSpPr txBox="1"/>
+          <p:nvPr/>
+        </p:nvSpPr>
+        <p:spPr>
+          <a:xfrm>
+            <a:off x="6845107" y="4923499"/>
+            <a:ext cx="768901" cy="473448"/>
+          </a:xfrm>
+          <a:prstGeom prst="rect">
+            <a:avLst/>
+          </a:prstGeom>
+          <a:noFill/>
+        </p:spPr>
+        <p:txBody>
+          <a:bodyPr wrap="square">
+            <a:spAutoFit/>
+          </a:bodyPr>
+          <a:lstStyle/>
+          <a:p>
+            <a:r>
+              <a:rPr lang="en-US" sz="2400" b="1" i="1" dirty="0"/>
+              <a:t>2</a:t>
+            </a:r>
+            <a:endParaRPr lang="en-US" sz="2400" b="1" dirty="0"/>
+          </a:p>
+        </p:txBody>
+      </p:sp>
+      <p:sp>
+        <p:nvSpPr>
+          <p:cNvPr id="22" name="Content Placeholder 2">
+            <a:extLst>
+              <a:ext uri="{FF2B5EF4-FFF2-40B4-BE49-F238E27FC236}">
+                <a16:creationId xmlns:a16="http://schemas.microsoft.com/office/drawing/2014/main" id="{D4FED8D7-7FE6-B1BD-794F-513A5A344E7D}"/>
+              </a:ext>
+            </a:extLst>
+          </p:cNvPr>
+          <p:cNvSpPr>
+            <a:spLocks noGrp="1"/>
+          </p:cNvSpPr>
+          <p:nvPr>
+            <p:ph idx="1"/>
+          </p:nvPr>
+        </p:nvSpPr>
+        <p:spPr>
+          <a:xfrm>
+            <a:off x="284408" y="1262374"/>
+            <a:ext cx="4653657" cy="4852277"/>
+          </a:xfrm>
+        </p:spPr>
+        <p:txBody>
+          <a:bodyPr/>
+          <a:lstStyle/>
+          <a:p>
+            <a:pPr marL="0" indent="0">
+              <a:buNone/>
+            </a:pPr>
+            <a:r>
+              <a:rPr lang="en-US" dirty="0"/>
+              <a:t>Match up repositories:</a:t>
+            </a:r>
+          </a:p>
+          <a:p>
+            <a:pPr marL="0" indent="0">
+              <a:buNone/>
+            </a:pPr>
+            <a:endParaRPr lang="en-US" dirty="0"/>
+          </a:p>
+          <a:p>
+            <a:pPr marL="800100" lvl="1" indent="-342900">
+              <a:buFont typeface="+mj-lt"/>
+              <a:buAutoNum type="arabicPeriod"/>
+            </a:pPr>
+            <a:r>
+              <a:rPr lang="en-US" sz="2200" dirty="0"/>
+              <a:t>In your Github editor add your repository to your </a:t>
+            </a:r>
+            <a:r>
+              <a:rPr lang="en-US" sz="2200" dirty="0" err="1"/>
+              <a:t>github</a:t>
+            </a:r>
+            <a:r>
+              <a:rPr lang="en-US" sz="2200" dirty="0"/>
+              <a:t> account</a:t>
+            </a:r>
+          </a:p>
+          <a:p>
+            <a:pPr marL="800100" lvl="1" indent="-342900">
+              <a:buFont typeface="+mj-lt"/>
+              <a:buAutoNum type="arabicPeriod"/>
+            </a:pPr>
+            <a:r>
+              <a:rPr lang="en-US" sz="2200" dirty="0"/>
+              <a:t>Publish to the web (publicly or privately)</a:t>
+            </a:r>
+          </a:p>
+          <a:p>
+            <a:pPr marL="800100" lvl="1" indent="-342900">
+              <a:buFont typeface="+mj-lt"/>
+              <a:buAutoNum type="arabicPeriod"/>
+            </a:pPr>
+            <a:endParaRPr lang="en-US" sz="2200" dirty="0"/>
+          </a:p>
+          <a:p>
+            <a:pPr marL="800100" lvl="1" indent="-342900">
+              <a:buFont typeface="+mj-lt"/>
+              <a:buAutoNum type="arabicPeriod"/>
+            </a:pPr>
+            <a:endParaRPr lang="en-US" sz="1600" dirty="0"/>
+          </a:p>
+          <a:p>
+            <a:pPr marL="800100" lvl="1" indent="-342900">
+              <a:buFont typeface="+mj-lt"/>
+              <a:buAutoNum type="arabicPeriod"/>
+            </a:pPr>
+            <a:endParaRPr lang="en-US" sz="1600" dirty="0"/>
+          </a:p>
+          <a:p>
+            <a:pPr marL="457200" lvl="1" indent="0">
+              <a:buNone/>
+            </a:pPr>
+            <a:endParaRPr lang="en-US" sz="1800" dirty="0"/>
+          </a:p>
+          <a:p>
+            <a:pPr marL="457200" lvl="1" indent="0">
+              <a:buNone/>
+            </a:pPr>
+            <a:endParaRPr lang="en-US" sz="1600" dirty="0"/>
+          </a:p>
+          <a:p>
+            <a:pPr marL="457200" lvl="1" indent="0">
+              <a:buNone/>
+            </a:pPr>
+            <a:endParaRPr lang="en-US" sz="1600" dirty="0"/>
+          </a:p>
+          <a:p>
+            <a:pPr marL="457200" lvl="1" indent="0">
+              <a:buNone/>
+            </a:pPr>
+            <a:endParaRPr lang="en-US" sz="1600" dirty="0"/>
+          </a:p>
+          <a:p>
+            <a:pPr marL="457200" lvl="1" indent="0">
+              <a:buNone/>
+            </a:pPr>
+            <a:endParaRPr lang="en-US" sz="1600" dirty="0"/>
+          </a:p>
+          <a:p>
+            <a:pPr lvl="1"/>
+            <a:endParaRPr lang="en-US" sz="1600" dirty="0"/>
+          </a:p>
+        </p:txBody>
+      </p:sp>
+      <p:pic>
+        <p:nvPicPr>
+          <p:cNvPr id="3" name="Picture 2" descr="A screenshot of a computer&#10;&#10;Description automatically generated">
+            <a:extLst>
+              <a:ext uri="{FF2B5EF4-FFF2-40B4-BE49-F238E27FC236}">
+                <a16:creationId xmlns:a16="http://schemas.microsoft.com/office/drawing/2014/main" id="{4B62423E-53D9-8F9C-42CA-8F26858B283D}"/>
+              </a:ext>
+            </a:extLst>
+          </p:cNvPr>
+          <p:cNvPicPr>
+            <a:picLocks noChangeAspect="1"/>
+          </p:cNvPicPr>
+          <p:nvPr/>
+        </p:nvPicPr>
+        <p:blipFill>
+          <a:blip r:embed="rId2"/>
+          <a:stretch>
+            <a:fillRect/>
+          </a:stretch>
+        </p:blipFill>
+        <p:spPr>
+          <a:xfrm>
+            <a:off x="7241133" y="3674853"/>
+            <a:ext cx="4653657" cy="3069951"/>
+          </a:xfrm>
+          <a:prstGeom prst="rect">
+            <a:avLst/>
+          </a:prstGeom>
+        </p:spPr>
+      </p:pic>
+      <p:pic>
+        <p:nvPicPr>
+          <p:cNvPr id="6" name="Picture 5" descr="A screenshot of a computer&#10;&#10;Description automatically generated">
+            <a:extLst>
+              <a:ext uri="{FF2B5EF4-FFF2-40B4-BE49-F238E27FC236}">
+                <a16:creationId xmlns:a16="http://schemas.microsoft.com/office/drawing/2014/main" id="{DDF85878-6ACF-FEB0-2BAC-12085F26FD47}"/>
+              </a:ext>
+            </a:extLst>
+          </p:cNvPr>
+          <p:cNvPicPr>
+            <a:picLocks noChangeAspect="1"/>
+          </p:cNvPicPr>
+          <p:nvPr/>
+        </p:nvPicPr>
+        <p:blipFill>
+          <a:blip r:embed="rId3"/>
+          <a:stretch>
+            <a:fillRect/>
+          </a:stretch>
+        </p:blipFill>
+        <p:spPr>
+          <a:xfrm>
+            <a:off x="7241133" y="223558"/>
+            <a:ext cx="4666459" cy="3205442"/>
+          </a:xfrm>
+          <a:prstGeom prst="rect">
+            <a:avLst/>
+          </a:prstGeom>
+        </p:spPr>
+      </p:pic>
+    </p:spTree>
+    <p:extLst>
+      <p:ext uri="{BB962C8B-B14F-4D97-AF65-F5344CB8AC3E}">
+        <p14:creationId xmlns:p14="http://schemas.microsoft.com/office/powerpoint/2010/main" val="3474515512"/>
+      </p:ext>
+    </p:extLst>
+  </p:cSld>
+  <p:clrMapOvr>
+    <a:masterClrMapping/>
+  </p:clrMapOvr>
+</p:sld>
+</file>
+
+<file path=ppt/slides/slide9.xml><?xml version="1.0" encoding="utf-8"?>
+<p:sld xmlns:a="http://schemas.openxmlformats.org/drawingml/2006/main" xmlns:r="http://schemas.openxmlformats.org/officeDocument/2006/relationships" xmlns:p="http://schemas.openxmlformats.org/presentationml/2006/main">
+  <p:cSld>
+    <p:spTree>
+      <p:nvGrpSpPr>
+        <p:cNvPr id="1" name=""/>
+        <p:cNvGrpSpPr/>
+        <p:nvPr/>
+      </p:nvGrpSpPr>
+      <p:grpSpPr>
+        <a:xfrm>
+          <a:off x="0" y="0"/>
+          <a:ext cx="0" cy="0"/>
+          <a:chOff x="0" y="0"/>
+          <a:chExt cx="0" cy="0"/>
+        </a:xfrm>
+      </p:grpSpPr>
+      <p:sp>
+        <p:nvSpPr>
+          <p:cNvPr id="2" name="Title 1">
+            <a:extLst>
+              <a:ext uri="{FF2B5EF4-FFF2-40B4-BE49-F238E27FC236}">
+                <a16:creationId xmlns:a16="http://schemas.microsoft.com/office/drawing/2014/main" id="{5D52C0B5-A730-1C2E-4E8B-C8DEE1B22273}"/>
+              </a:ext>
+            </a:extLst>
+          </p:cNvPr>
+          <p:cNvSpPr>
+            <a:spLocks noGrp="1"/>
+          </p:cNvSpPr>
+          <p:nvPr>
+            <p:ph type="title"/>
+          </p:nvPr>
+        </p:nvSpPr>
+        <p:spPr/>
+        <p:txBody>
+          <a:bodyPr/>
+          <a:lstStyle/>
+          <a:p>
+            <a:r>
+              <a:rPr lang="en-US" dirty="0"/>
+              <a:t>Integrate into a site</a:t>
+            </a:r>
+          </a:p>
+        </p:txBody>
+      </p:sp>
+      <p:sp>
+        <p:nvSpPr>
+          <p:cNvPr id="3" name="Content Placeholder 2">
+            <a:extLst>
+              <a:ext uri="{FF2B5EF4-FFF2-40B4-BE49-F238E27FC236}">
+                <a16:creationId xmlns:a16="http://schemas.microsoft.com/office/drawing/2014/main" id="{65B213A0-7015-0C62-11CD-91E9ED21133D}"/>
+              </a:ext>
+            </a:extLst>
+          </p:cNvPr>
+          <p:cNvSpPr>
+            <a:spLocks noGrp="1"/>
+          </p:cNvSpPr>
+          <p:nvPr>
+            <p:ph idx="1"/>
+          </p:nvPr>
+        </p:nvSpPr>
+        <p:spPr/>
+        <p:txBody>
+          <a:bodyPr/>
+          <a:lstStyle/>
+          <a:p>
+            <a:endParaRPr lang="en-US"/>
+          </a:p>
+        </p:txBody>
+      </p:sp>
+    </p:spTree>
+    <p:extLst>
+      <p:ext uri="{BB962C8B-B14F-4D97-AF65-F5344CB8AC3E}">
+        <p14:creationId xmlns:p14="http://schemas.microsoft.com/office/powerpoint/2010/main" val="3987564334"/>
       </p:ext>
     </p:extLst>
   </p:cSld>

--- a/Lab_mtg_Jun12.pptx
+++ b/Lab_mtg_Jun12.pptx
@@ -251,7 +251,7 @@
           <a:p>
             <a:fld id="{B9CF6211-7362-264F-8F00-73056E89BB8B}" type="datetimeFigureOut">
               <a:rPr lang="en-US" smtClean="0"/>
-              <a:t>6/11/24</a:t>
+              <a:t>6/12/24</a:t>
             </a:fld>
             <a:endParaRPr lang="en-US"/>
           </a:p>
@@ -421,7 +421,7 @@
           <a:p>
             <a:fld id="{B9CF6211-7362-264F-8F00-73056E89BB8B}" type="datetimeFigureOut">
               <a:rPr lang="en-US" smtClean="0"/>
-              <a:t>6/11/24</a:t>
+              <a:t>6/12/24</a:t>
             </a:fld>
             <a:endParaRPr lang="en-US"/>
           </a:p>
@@ -601,7 +601,7 @@
           <a:p>
             <a:fld id="{B9CF6211-7362-264F-8F00-73056E89BB8B}" type="datetimeFigureOut">
               <a:rPr lang="en-US" smtClean="0"/>
-              <a:t>6/11/24</a:t>
+              <a:t>6/12/24</a:t>
             </a:fld>
             <a:endParaRPr lang="en-US"/>
           </a:p>
@@ -771,7 +771,7 @@
           <a:p>
             <a:fld id="{B9CF6211-7362-264F-8F00-73056E89BB8B}" type="datetimeFigureOut">
               <a:rPr lang="en-US" smtClean="0"/>
-              <a:t>6/11/24</a:t>
+              <a:t>6/12/24</a:t>
             </a:fld>
             <a:endParaRPr lang="en-US"/>
           </a:p>
@@ -1017,7 +1017,7 @@
           <a:p>
             <a:fld id="{B9CF6211-7362-264F-8F00-73056E89BB8B}" type="datetimeFigureOut">
               <a:rPr lang="en-US" smtClean="0"/>
-              <a:t>6/11/24</a:t>
+              <a:t>6/12/24</a:t>
             </a:fld>
             <a:endParaRPr lang="en-US"/>
           </a:p>
@@ -1249,7 +1249,7 @@
           <a:p>
             <a:fld id="{B9CF6211-7362-264F-8F00-73056E89BB8B}" type="datetimeFigureOut">
               <a:rPr lang="en-US" smtClean="0"/>
-              <a:t>6/11/24</a:t>
+              <a:t>6/12/24</a:t>
             </a:fld>
             <a:endParaRPr lang="en-US"/>
           </a:p>
@@ -1616,7 +1616,7 @@
           <a:p>
             <a:fld id="{B9CF6211-7362-264F-8F00-73056E89BB8B}" type="datetimeFigureOut">
               <a:rPr lang="en-US" smtClean="0"/>
-              <a:t>6/11/24</a:t>
+              <a:t>6/12/24</a:t>
             </a:fld>
             <a:endParaRPr lang="en-US"/>
           </a:p>
@@ -1734,7 +1734,7 @@
           <a:p>
             <a:fld id="{B9CF6211-7362-264F-8F00-73056E89BB8B}" type="datetimeFigureOut">
               <a:rPr lang="en-US" smtClean="0"/>
-              <a:t>6/11/24</a:t>
+              <a:t>6/12/24</a:t>
             </a:fld>
             <a:endParaRPr lang="en-US"/>
           </a:p>
@@ -1829,7 +1829,7 @@
           <a:p>
             <a:fld id="{B9CF6211-7362-264F-8F00-73056E89BB8B}" type="datetimeFigureOut">
               <a:rPr lang="en-US" smtClean="0"/>
-              <a:t>6/11/24</a:t>
+              <a:t>6/12/24</a:t>
             </a:fld>
             <a:endParaRPr lang="en-US"/>
           </a:p>
@@ -2106,7 +2106,7 @@
           <a:p>
             <a:fld id="{B9CF6211-7362-264F-8F00-73056E89BB8B}" type="datetimeFigureOut">
               <a:rPr lang="en-US" smtClean="0"/>
-              <a:t>6/11/24</a:t>
+              <a:t>6/12/24</a:t>
             </a:fld>
             <a:endParaRPr lang="en-US"/>
           </a:p>
@@ -2363,7 +2363,7 @@
           <a:p>
             <a:fld id="{B9CF6211-7362-264F-8F00-73056E89BB8B}" type="datetimeFigureOut">
               <a:rPr lang="en-US" smtClean="0"/>
-              <a:t>6/11/24</a:t>
+              <a:t>6/12/24</a:t>
             </a:fld>
             <a:endParaRPr lang="en-US"/>
           </a:p>
@@ -2576,7 +2576,7 @@
           <a:p>
             <a:fld id="{B9CF6211-7362-264F-8F00-73056E89BB8B}" type="datetimeFigureOut">
               <a:rPr lang="en-US" smtClean="0"/>
-              <a:t>6/11/24</a:t>
+              <a:t>6/12/24</a:t>
             </a:fld>
             <a:endParaRPr lang="en-US"/>
           </a:p>
@@ -5178,7 +5178,7 @@
               <a:buAutoNum type="arabicPeriod"/>
             </a:pPr>
             <a:r>
-              <a:rPr lang="en-US" sz="1600" dirty="0"/>
+              <a:rPr lang="en-US" sz="1800" dirty="0"/>
               <a:t>Edit project setup</a:t>
             </a:r>
           </a:p>
@@ -5188,7 +5188,7 @@
               <a:buAutoNum type="arabicPeriod"/>
             </a:pPr>
             <a:r>
-              <a:rPr lang="en-US" sz="1600" dirty="0"/>
+              <a:rPr lang="en-US" sz="1800" dirty="0"/>
               <a:t>Make this project a git tracked project</a:t>
             </a:r>
           </a:p>
@@ -5198,7 +5198,7 @@
               <a:buAutoNum type="arabicPeriod"/>
             </a:pPr>
             <a:r>
-              <a:rPr lang="en-US" sz="1600" dirty="0"/>
+              <a:rPr lang="en-US" sz="1800" dirty="0"/>
               <a:t>Push, pull, and commit changes</a:t>
             </a:r>
           </a:p>
@@ -5637,7 +5637,7 @@
           <a:p>
             <a:r>
               <a:rPr lang="en-US" i="1" dirty="0"/>
-              <a:t>Make a chord diagram</a:t>
+              <a:t>Make an interactive chord diagram</a:t>
             </a:r>
           </a:p>
         </p:txBody>
@@ -5661,21 +5661,14 @@
         <p:spPr>
           <a:xfrm>
             <a:off x="284408" y="1262374"/>
-            <a:ext cx="4653657" cy="4852277"/>
-          </a:xfrm>
-        </p:spPr>
-        <p:txBody>
-          <a:bodyPr/>
-          <a:lstStyle/>
-          <a:p>
-            <a:pPr marL="0" indent="0">
-              <a:buNone/>
-            </a:pPr>
-            <a:r>
-              <a:rPr lang="en-US" dirty="0"/>
-              <a:t>Match up repositories:</a:t>
-            </a:r>
-          </a:p>
+            <a:ext cx="10920212" cy="1931587"/>
+          </a:xfrm>
+        </p:spPr>
+        <p:txBody>
+          <a:bodyPr>
+            <a:normAutofit fontScale="92500" lnSpcReduction="20000"/>
+          </a:bodyPr>
+          <a:lstStyle/>
           <a:p>
             <a:pPr marL="0" indent="0">
               <a:buNone/>
@@ -5689,15 +5682,17 @@
             </a:pPr>
             <a:r>
               <a:rPr lang="en-US" sz="2200" dirty="0"/>
-              <a:t>In your Github editor add your repository to your </a:t>
-            </a:r>
-            <a:r>
-              <a:rPr lang="en-US" sz="2200" dirty="0" err="1"/>
-              <a:t>github</a:t>
+              <a:t>Download stuff from GitHub: git clone </a:t>
+            </a:r>
+            <a:r>
+              <a:rPr lang="en-US" sz="2200" dirty="0">
+                <a:hlinkClick r:id="rId2"/>
+              </a:rPr>
+              <a:t>https://github.com/vpagowski/Lab_mtg_examples.git</a:t>
             </a:r>
             <a:r>
               <a:rPr lang="en-US" sz="2200" dirty="0"/>
-              <a:t> account</a:t>
+              <a:t> </a:t>
             </a:r>
           </a:p>
           <a:p>
@@ -5707,7 +5702,15 @@
             </a:pPr>
             <a:r>
               <a:rPr lang="en-US" sz="2200" dirty="0"/>
-              <a:t>Publish to the web (publicly or privately)</a:t>
+              <a:t>Edit code in the .</a:t>
+            </a:r>
+            <a:r>
+              <a:rPr lang="en-US" sz="2200" dirty="0" err="1"/>
+              <a:t>Rmd</a:t>
+            </a:r>
+            <a:r>
+              <a:rPr lang="en-US" sz="2200" dirty="0"/>
+              <a:t> file and run your document to make plots!</a:t>
             </a:r>
           </a:p>
           <a:p>
@@ -5718,6 +5721,46 @@
             <a:endParaRPr lang="en-US" sz="2200" dirty="0"/>
           </a:p>
           <a:p>
+            <a:pPr marL="457200" lvl="1" indent="0">
+              <a:buNone/>
+            </a:pPr>
+            <a:r>
+              <a:rPr lang="en-US" sz="2200" dirty="0"/>
+              <a:t>You should see the same thing as on: https://</a:t>
+            </a:r>
+            <a:r>
+              <a:rPr lang="en-US" sz="2200" dirty="0" err="1"/>
+              <a:t>vxnzru</a:t>
+            </a:r>
+            <a:r>
+              <a:rPr lang="en-US" sz="2200" dirty="0"/>
+              <a:t>-veronica-</a:t>
+            </a:r>
+            <a:r>
+              <a:rPr lang="en-US" sz="2200" dirty="0" err="1"/>
+              <a:t>pagowski.shinyapps.io</a:t>
+            </a:r>
+            <a:r>
+              <a:rPr lang="en-US" sz="2200" dirty="0"/>
+              <a:t>/</a:t>
+            </a:r>
+            <a:r>
+              <a:rPr lang="en-US" sz="2200" dirty="0" err="1"/>
+              <a:t>Lab_mtg_example_plots</a:t>
+            </a:r>
+            <a:r>
+              <a:rPr lang="en-US" sz="2200" dirty="0"/>
+              <a:t>/</a:t>
+            </a:r>
+          </a:p>
+          <a:p>
+            <a:pPr marL="800100" lvl="1" indent="-342900">
+              <a:buFont typeface="+mj-lt"/>
+              <a:buAutoNum type="arabicPeriod"/>
+            </a:pPr>
+            <a:endParaRPr lang="en-US" sz="2200" dirty="0"/>
+          </a:p>
+          <a:p>
             <a:pPr marL="800100" lvl="1" indent="-342900">
               <a:buFont typeface="+mj-lt"/>
               <a:buAutoNum type="arabicPeriod"/>
@@ -5767,6 +5810,36 @@
           </a:p>
         </p:txBody>
       </p:sp>
+      <p:pic>
+        <p:nvPicPr>
+          <p:cNvPr id="3" name="Picture 2" descr="A screenshot of a computer screen&#10;&#10;Description automatically generated">
+            <a:extLst>
+              <a:ext uri="{FF2B5EF4-FFF2-40B4-BE49-F238E27FC236}">
+                <a16:creationId xmlns:a16="http://schemas.microsoft.com/office/drawing/2014/main" id="{A5E02205-B7E2-0E15-9D58-A5FE6CA0649C}"/>
+              </a:ext>
+            </a:extLst>
+          </p:cNvPr>
+          <p:cNvPicPr>
+            <a:picLocks noChangeAspect="1"/>
+          </p:cNvPicPr>
+          <p:nvPr/>
+        </p:nvPicPr>
+        <p:blipFill>
+          <a:blip r:embed="rId3"/>
+          <a:stretch>
+            <a:fillRect/>
+          </a:stretch>
+        </p:blipFill>
+        <p:spPr>
+          <a:xfrm>
+            <a:off x="759854" y="3555489"/>
+            <a:ext cx="6387920" cy="2864385"/>
+          </a:xfrm>
+          <a:prstGeom prst="rect">
+            <a:avLst/>
+          </a:prstGeom>
+        </p:spPr>
+      </p:pic>
     </p:spTree>
     <p:extLst>
       <p:ext uri="{BB962C8B-B14F-4D97-AF65-F5344CB8AC3E}">
@@ -5825,80 +5898,8 @@
           <a:p>
             <a:r>
               <a:rPr lang="en-US" i="1" dirty="0"/>
-              <a:t>Make your own diagram</a:t>
-            </a:r>
-          </a:p>
-        </p:txBody>
-      </p:sp>
-      <p:sp>
-        <p:nvSpPr>
-          <p:cNvPr id="19" name="TextBox 18">
-            <a:extLst>
-              <a:ext uri="{FF2B5EF4-FFF2-40B4-BE49-F238E27FC236}">
-                <a16:creationId xmlns:a16="http://schemas.microsoft.com/office/drawing/2014/main" id="{6BD750CB-8ADF-8FCA-A9AD-520AA960395F}"/>
-              </a:ext>
-            </a:extLst>
-          </p:cNvPr>
-          <p:cNvSpPr txBox="1"/>
-          <p:nvPr/>
-        </p:nvSpPr>
-        <p:spPr>
-          <a:xfrm>
-            <a:off x="6845107" y="1697777"/>
-            <a:ext cx="792051" cy="461665"/>
-          </a:xfrm>
-          <a:prstGeom prst="rect">
-            <a:avLst/>
-          </a:prstGeom>
-          <a:noFill/>
-        </p:spPr>
-        <p:txBody>
-          <a:bodyPr wrap="square">
-            <a:spAutoFit/>
-          </a:bodyPr>
-          <a:lstStyle/>
-          <a:p>
-            <a:r>
-              <a:rPr lang="en-US" sz="2400" b="1" i="1" dirty="0"/>
-              <a:t>1</a:t>
-            </a:r>
-            <a:endParaRPr lang="en-US" sz="2400" b="1" dirty="0"/>
-          </a:p>
-        </p:txBody>
-      </p:sp>
-      <p:sp>
-        <p:nvSpPr>
-          <p:cNvPr id="20" name="TextBox 19">
-            <a:extLst>
-              <a:ext uri="{FF2B5EF4-FFF2-40B4-BE49-F238E27FC236}">
-                <a16:creationId xmlns:a16="http://schemas.microsoft.com/office/drawing/2014/main" id="{AB0659C7-F466-C6B0-CC1F-FE5DBBEEC9B5}"/>
-              </a:ext>
-            </a:extLst>
-          </p:cNvPr>
-          <p:cNvSpPr txBox="1"/>
-          <p:nvPr/>
-        </p:nvSpPr>
-        <p:spPr>
-          <a:xfrm>
-            <a:off x="6845107" y="4923499"/>
-            <a:ext cx="768901" cy="473448"/>
-          </a:xfrm>
-          <a:prstGeom prst="rect">
-            <a:avLst/>
-          </a:prstGeom>
-          <a:noFill/>
-        </p:spPr>
-        <p:txBody>
-          <a:bodyPr wrap="square">
-            <a:spAutoFit/>
-          </a:bodyPr>
-          <a:lstStyle/>
-          <a:p>
-            <a:r>
-              <a:rPr lang="en-US" sz="2400" b="1" i="1" dirty="0"/>
-              <a:t>2</a:t>
-            </a:r>
-            <a:endParaRPr lang="en-US" sz="2400" b="1" dirty="0"/>
+              <a:t>Formatting </a:t>
+            </a:r>
           </a:p>
         </p:txBody>
       </p:sp>
@@ -5921,7 +5922,7 @@
         <p:spPr>
           <a:xfrm>
             <a:off x="284408" y="1262374"/>
-            <a:ext cx="4653657" cy="4852277"/>
+            <a:ext cx="4653657" cy="733851"/>
           </a:xfrm>
         </p:spPr>
         <p:txBody>
@@ -5933,7 +5934,7 @@
             </a:pPr>
             <a:r>
               <a:rPr lang="en-US" dirty="0"/>
-              <a:t>Match up repositories:</a:t>
+              <a:t>*the most annoying part</a:t>
             </a:r>
           </a:p>
           <a:p>
@@ -5941,34 +5942,6 @@
               <a:buNone/>
             </a:pPr>
             <a:endParaRPr lang="en-US" dirty="0"/>
-          </a:p>
-          <a:p>
-            <a:pPr marL="800100" lvl="1" indent="-342900">
-              <a:buFont typeface="+mj-lt"/>
-              <a:buAutoNum type="arabicPeriod"/>
-            </a:pPr>
-            <a:r>
-              <a:rPr lang="en-US" sz="2200" dirty="0"/>
-              <a:t>In your Github editor add your repository to your </a:t>
-            </a:r>
-            <a:r>
-              <a:rPr lang="en-US" sz="2200" dirty="0" err="1"/>
-              <a:t>github</a:t>
-            </a:r>
-            <a:r>
-              <a:rPr lang="en-US" sz="2200" dirty="0"/>
-              <a:t> account</a:t>
-            </a:r>
-          </a:p>
-          <a:p>
-            <a:pPr marL="800100" lvl="1" indent="-342900">
-              <a:buFont typeface="+mj-lt"/>
-              <a:buAutoNum type="arabicPeriod"/>
-            </a:pPr>
-            <a:r>
-              <a:rPr lang="en-US" sz="2200" dirty="0"/>
-              <a:t>Publish to the web (publicly or privately)</a:t>
-            </a:r>
           </a:p>
           <a:p>
             <a:pPr marL="800100" lvl="1" indent="-342900">
@@ -6027,12 +6000,134 @@
           </a:p>
         </p:txBody>
       </p:sp>
+      <p:sp>
+        <p:nvSpPr>
+          <p:cNvPr id="4" name="Right Brace 3">
+            <a:extLst>
+              <a:ext uri="{FF2B5EF4-FFF2-40B4-BE49-F238E27FC236}">
+                <a16:creationId xmlns:a16="http://schemas.microsoft.com/office/drawing/2014/main" id="{F5E23F32-D879-47D0-4588-9345B0BC8BF8}"/>
+              </a:ext>
+            </a:extLst>
+          </p:cNvPr>
+          <p:cNvSpPr/>
+          <p:nvPr/>
+        </p:nvSpPr>
+        <p:spPr>
+          <a:xfrm>
+            <a:off x="3825025" y="1996225"/>
+            <a:ext cx="425003" cy="981068"/>
+          </a:xfrm>
+          <a:prstGeom prst="rightBrace">
+            <a:avLst>
+              <a:gd name="adj1" fmla="val 59848"/>
+              <a:gd name="adj2" fmla="val 47623"/>
+            </a:avLst>
+          </a:prstGeom>
+        </p:spPr>
+        <p:style>
+          <a:lnRef idx="2">
+            <a:schemeClr val="accent1"/>
+          </a:lnRef>
+          <a:fillRef idx="0">
+            <a:schemeClr val="accent1"/>
+          </a:fillRef>
+          <a:effectRef idx="1">
+            <a:schemeClr val="accent1"/>
+          </a:effectRef>
+          <a:fontRef idx="minor">
+            <a:schemeClr val="tx1"/>
+          </a:fontRef>
+        </p:style>
+        <p:txBody>
+          <a:bodyPr rtlCol="0" anchor="ctr"/>
+          <a:lstStyle/>
+          <a:p>
+            <a:pPr algn="ctr"/>
+            <a:endParaRPr lang="en-US"/>
+          </a:p>
+        </p:txBody>
+      </p:sp>
+      <p:sp>
+        <p:nvSpPr>
+          <p:cNvPr id="5" name="TextBox 4">
+            <a:extLst>
+              <a:ext uri="{FF2B5EF4-FFF2-40B4-BE49-F238E27FC236}">
+                <a16:creationId xmlns:a16="http://schemas.microsoft.com/office/drawing/2014/main" id="{0F2F665F-53C0-36CE-66A9-5C5F3B145101}"/>
+              </a:ext>
+            </a:extLst>
+          </p:cNvPr>
+          <p:cNvSpPr txBox="1"/>
+          <p:nvPr/>
+        </p:nvSpPr>
+        <p:spPr>
+          <a:xfrm>
+            <a:off x="4353059" y="2302093"/>
+            <a:ext cx="3219718" cy="369332"/>
+          </a:xfrm>
+          <a:prstGeom prst="rect">
+            <a:avLst/>
+          </a:prstGeom>
+          <a:noFill/>
+        </p:spPr>
+        <p:txBody>
+          <a:bodyPr wrap="square" rtlCol="0">
+            <a:spAutoFit/>
+          </a:bodyPr>
+          <a:lstStyle/>
+          <a:p>
+            <a:r>
+              <a:rPr lang="en-US" dirty="0"/>
+              <a:t>Style the whole code block</a:t>
+            </a:r>
+          </a:p>
+        </p:txBody>
+      </p:sp>
+      <p:sp>
+        <p:nvSpPr>
+          <p:cNvPr id="8" name="TextBox 7">
+            <a:extLst>
+              <a:ext uri="{FF2B5EF4-FFF2-40B4-BE49-F238E27FC236}">
+                <a16:creationId xmlns:a16="http://schemas.microsoft.com/office/drawing/2014/main" id="{E42A9FD8-E29B-619F-27F3-F93C87481D3E}"/>
+              </a:ext>
+            </a:extLst>
+          </p:cNvPr>
+          <p:cNvSpPr txBox="1"/>
+          <p:nvPr/>
+        </p:nvSpPr>
+        <p:spPr>
+          <a:xfrm>
+            <a:off x="199712" y="6322051"/>
+            <a:ext cx="6098146" cy="369332"/>
+          </a:xfrm>
+          <a:prstGeom prst="rect">
+            <a:avLst/>
+          </a:prstGeom>
+          <a:noFill/>
+        </p:spPr>
+        <p:txBody>
+          <a:bodyPr wrap="square">
+            <a:spAutoFit/>
+          </a:bodyPr>
+          <a:lstStyle/>
+          <a:p>
+            <a:r>
+              <a:rPr lang="en-US" dirty="0"/>
+              <a:t>https://www.w3schools.com/html/</a:t>
+            </a:r>
+            <a:r>
+              <a:rPr lang="en-US" dirty="0" err="1"/>
+              <a:t>html_css.asp</a:t>
+            </a:r>
+            <a:endParaRPr lang="en-US" dirty="0"/>
+          </a:p>
+        </p:txBody>
+      </p:sp>
       <p:pic>
         <p:nvPicPr>
-          <p:cNvPr id="3" name="Picture 2" descr="A screenshot of a computer&#10;&#10;Description automatically generated">
-            <a:extLst>
-              <a:ext uri="{FF2B5EF4-FFF2-40B4-BE49-F238E27FC236}">
-                <a16:creationId xmlns:a16="http://schemas.microsoft.com/office/drawing/2014/main" id="{4B62423E-53D9-8F9C-42CA-8F26858B283D}"/>
+          <p:cNvPr id="10" name="Picture 9" descr="A black text on a white background&#10;&#10;Description automatically generated">
+            <a:extLst>
+              <a:ext uri="{FF2B5EF4-FFF2-40B4-BE49-F238E27FC236}">
+                <a16:creationId xmlns:a16="http://schemas.microsoft.com/office/drawing/2014/main" id="{A52B0B65-CCA0-EF5B-87AD-4BBAF27C0531}"/>
               </a:ext>
             </a:extLst>
           </p:cNvPr>
@@ -6049,8 +6144,8 @@
         </p:blipFill>
         <p:spPr>
           <a:xfrm>
-            <a:off x="7241133" y="3674853"/>
-            <a:ext cx="4653657" cy="3069951"/>
+            <a:off x="419950" y="2583593"/>
+            <a:ext cx="2857500" cy="393700"/>
           </a:xfrm>
           <a:prstGeom prst="rect">
             <a:avLst/>
@@ -6059,10 +6154,10 @@
       </p:pic>
       <p:pic>
         <p:nvPicPr>
-          <p:cNvPr id="6" name="Picture 5" descr="A screenshot of a computer&#10;&#10;Description automatically generated">
-            <a:extLst>
-              <a:ext uri="{FF2B5EF4-FFF2-40B4-BE49-F238E27FC236}">
-                <a16:creationId xmlns:a16="http://schemas.microsoft.com/office/drawing/2014/main" id="{DDF85878-6ACF-FEB0-2BAC-12085F26FD47}"/>
+          <p:cNvPr id="12" name="Picture 11">
+            <a:extLst>
+              <a:ext uri="{FF2B5EF4-FFF2-40B4-BE49-F238E27FC236}">
+                <a16:creationId xmlns:a16="http://schemas.microsoft.com/office/drawing/2014/main" id="{4B6CE4CD-881F-5C48-17B1-04829112922E}"/>
               </a:ext>
             </a:extLst>
           </p:cNvPr>
@@ -6079,14 +6174,238 @@
         </p:blipFill>
         <p:spPr>
           <a:xfrm>
-            <a:off x="7241133" y="223558"/>
-            <a:ext cx="4666459" cy="3205442"/>
+            <a:off x="419950" y="2105974"/>
+            <a:ext cx="3086100" cy="317500"/>
           </a:xfrm>
           <a:prstGeom prst="rect">
             <a:avLst/>
           </a:prstGeom>
         </p:spPr>
       </p:pic>
+      <p:pic>
+        <p:nvPicPr>
+          <p:cNvPr id="14" name="Picture 13" descr="A screenshot of a computer program&#10;&#10;Description automatically generated">
+            <a:extLst>
+              <a:ext uri="{FF2B5EF4-FFF2-40B4-BE49-F238E27FC236}">
+                <a16:creationId xmlns:a16="http://schemas.microsoft.com/office/drawing/2014/main" id="{4C2553BC-1615-DC69-39BA-53EADE434537}"/>
+              </a:ext>
+            </a:extLst>
+          </p:cNvPr>
+          <p:cNvPicPr>
+            <a:picLocks noChangeAspect="1"/>
+          </p:cNvPicPr>
+          <p:nvPr/>
+        </p:nvPicPr>
+        <p:blipFill>
+          <a:blip r:embed="rId4"/>
+          <a:stretch>
+            <a:fillRect/>
+          </a:stretch>
+        </p:blipFill>
+        <p:spPr>
+          <a:xfrm>
+            <a:off x="350636" y="3429000"/>
+            <a:ext cx="4521200" cy="1866900"/>
+          </a:xfrm>
+          <a:prstGeom prst="rect">
+            <a:avLst/>
+          </a:prstGeom>
+        </p:spPr>
+      </p:pic>
+      <p:sp>
+        <p:nvSpPr>
+          <p:cNvPr id="15" name="Right Brace 14">
+            <a:extLst>
+              <a:ext uri="{FF2B5EF4-FFF2-40B4-BE49-F238E27FC236}">
+                <a16:creationId xmlns:a16="http://schemas.microsoft.com/office/drawing/2014/main" id="{3A088F31-2869-81B3-08EA-471E23E57621}"/>
+              </a:ext>
+            </a:extLst>
+          </p:cNvPr>
+          <p:cNvSpPr/>
+          <p:nvPr/>
+        </p:nvSpPr>
+        <p:spPr>
+          <a:xfrm>
+            <a:off x="5182273" y="3880708"/>
+            <a:ext cx="425003" cy="981068"/>
+          </a:xfrm>
+          <a:prstGeom prst="rightBrace">
+            <a:avLst>
+              <a:gd name="adj1" fmla="val 59848"/>
+              <a:gd name="adj2" fmla="val 47623"/>
+            </a:avLst>
+          </a:prstGeom>
+        </p:spPr>
+        <p:style>
+          <a:lnRef idx="2">
+            <a:schemeClr val="accent1"/>
+          </a:lnRef>
+          <a:fillRef idx="0">
+            <a:schemeClr val="accent1"/>
+          </a:fillRef>
+          <a:effectRef idx="1">
+            <a:schemeClr val="accent1"/>
+          </a:effectRef>
+          <a:fontRef idx="minor">
+            <a:schemeClr val="tx1"/>
+          </a:fontRef>
+        </p:style>
+        <p:txBody>
+          <a:bodyPr rtlCol="0" anchor="ctr"/>
+          <a:lstStyle/>
+          <a:p>
+            <a:pPr algn="ctr"/>
+            <a:endParaRPr lang="en-US"/>
+          </a:p>
+        </p:txBody>
+      </p:sp>
+      <p:sp>
+        <p:nvSpPr>
+          <p:cNvPr id="16" name="TextBox 15">
+            <a:extLst>
+              <a:ext uri="{FF2B5EF4-FFF2-40B4-BE49-F238E27FC236}">
+                <a16:creationId xmlns:a16="http://schemas.microsoft.com/office/drawing/2014/main" id="{8023F0BD-7B6F-974E-0371-B204B293B231}"/>
+              </a:ext>
+            </a:extLst>
+          </p:cNvPr>
+          <p:cNvSpPr txBox="1"/>
+          <p:nvPr/>
+        </p:nvSpPr>
+        <p:spPr>
+          <a:xfrm>
+            <a:off x="5710307" y="4186576"/>
+            <a:ext cx="3356420" cy="369332"/>
+          </a:xfrm>
+          <a:prstGeom prst="rect">
+            <a:avLst/>
+          </a:prstGeom>
+          <a:noFill/>
+        </p:spPr>
+        <p:txBody>
+          <a:bodyPr wrap="square" rtlCol="0">
+            <a:spAutoFit/>
+          </a:bodyPr>
+          <a:lstStyle/>
+          <a:p>
+            <a:r>
+              <a:rPr lang="en-US" dirty="0"/>
+              <a:t>Modify layout for specific plots </a:t>
+            </a:r>
+          </a:p>
+        </p:txBody>
+      </p:sp>
+      <p:pic>
+        <p:nvPicPr>
+          <p:cNvPr id="18" name="Picture 17" descr="A screenshot of a computer&#10;&#10;Description automatically generated">
+            <a:extLst>
+              <a:ext uri="{FF2B5EF4-FFF2-40B4-BE49-F238E27FC236}">
+                <a16:creationId xmlns:a16="http://schemas.microsoft.com/office/drawing/2014/main" id="{84A99BAB-7808-C51E-3B90-07BD8D7F3352}"/>
+              </a:ext>
+            </a:extLst>
+          </p:cNvPr>
+          <p:cNvPicPr>
+            <a:picLocks noChangeAspect="1"/>
+          </p:cNvPicPr>
+          <p:nvPr/>
+        </p:nvPicPr>
+        <p:blipFill>
+          <a:blip r:embed="rId5"/>
+          <a:stretch>
+            <a:fillRect/>
+          </a:stretch>
+        </p:blipFill>
+        <p:spPr>
+          <a:xfrm>
+            <a:off x="4100758" y="5083913"/>
+            <a:ext cx="2882900" cy="1016000"/>
+          </a:xfrm>
+          <a:prstGeom prst="rect">
+            <a:avLst/>
+          </a:prstGeom>
+        </p:spPr>
+      </p:pic>
+      <p:sp>
+        <p:nvSpPr>
+          <p:cNvPr id="21" name="Right Brace 20">
+            <a:extLst>
+              <a:ext uri="{FF2B5EF4-FFF2-40B4-BE49-F238E27FC236}">
+                <a16:creationId xmlns:a16="http://schemas.microsoft.com/office/drawing/2014/main" id="{B5F0A8A7-E66F-98E0-E430-AF1702378859}"/>
+              </a:ext>
+            </a:extLst>
+          </p:cNvPr>
+          <p:cNvSpPr/>
+          <p:nvPr/>
+        </p:nvSpPr>
+        <p:spPr>
+          <a:xfrm>
+            <a:off x="7176351" y="5100209"/>
+            <a:ext cx="425003" cy="981068"/>
+          </a:xfrm>
+          <a:prstGeom prst="rightBrace">
+            <a:avLst>
+              <a:gd name="adj1" fmla="val 59848"/>
+              <a:gd name="adj2" fmla="val 47623"/>
+            </a:avLst>
+          </a:prstGeom>
+        </p:spPr>
+        <p:style>
+          <a:lnRef idx="2">
+            <a:schemeClr val="accent1"/>
+          </a:lnRef>
+          <a:fillRef idx="0">
+            <a:schemeClr val="accent1"/>
+          </a:fillRef>
+          <a:effectRef idx="1">
+            <a:schemeClr val="accent1"/>
+          </a:effectRef>
+          <a:fontRef idx="minor">
+            <a:schemeClr val="tx1"/>
+          </a:fontRef>
+        </p:style>
+        <p:txBody>
+          <a:bodyPr rtlCol="0" anchor="ctr"/>
+          <a:lstStyle/>
+          <a:p>
+            <a:pPr algn="ctr"/>
+            <a:endParaRPr lang="en-US"/>
+          </a:p>
+        </p:txBody>
+      </p:sp>
+      <p:sp>
+        <p:nvSpPr>
+          <p:cNvPr id="23" name="TextBox 22">
+            <a:extLst>
+              <a:ext uri="{FF2B5EF4-FFF2-40B4-BE49-F238E27FC236}">
+                <a16:creationId xmlns:a16="http://schemas.microsoft.com/office/drawing/2014/main" id="{9FE740A8-FFD6-ED11-6942-00DF0E0686D6}"/>
+              </a:ext>
+            </a:extLst>
+          </p:cNvPr>
+          <p:cNvSpPr txBox="1"/>
+          <p:nvPr/>
+        </p:nvSpPr>
+        <p:spPr>
+          <a:xfrm>
+            <a:off x="7704385" y="5406077"/>
+            <a:ext cx="3356420" cy="369332"/>
+          </a:xfrm>
+          <a:prstGeom prst="rect">
+            <a:avLst/>
+          </a:prstGeom>
+          <a:noFill/>
+        </p:spPr>
+        <p:txBody>
+          <a:bodyPr wrap="square" rtlCol="0">
+            <a:spAutoFit/>
+          </a:bodyPr>
+          <a:lstStyle/>
+          <a:p>
+            <a:r>
+              <a:rPr lang="en-US" dirty="0"/>
+              <a:t>Apply layout</a:t>
+            </a:r>
+          </a:p>
+        </p:txBody>
+      </p:sp>
     </p:spTree>
     <p:extLst>
       <p:ext uri="{BB962C8B-B14F-4D97-AF65-F5344CB8AC3E}">
@@ -6133,43 +6452,96 @@
             <p:ph type="title"/>
           </p:nvPr>
         </p:nvSpPr>
-        <p:spPr/>
+        <p:spPr>
+          <a:xfrm>
+            <a:off x="400318" y="274973"/>
+            <a:ext cx="10515600" cy="1325563"/>
+          </a:xfrm>
+        </p:spPr>
         <p:txBody>
           <a:bodyPr/>
           <a:lstStyle/>
           <a:p>
             <a:r>
               <a:rPr lang="en-US" dirty="0"/>
-              <a:t>Integrate into a site</a:t>
-            </a:r>
-          </a:p>
-        </p:txBody>
-      </p:sp>
-      <p:sp>
-        <p:nvSpPr>
-          <p:cNvPr id="3" name="Content Placeholder 2">
-            <a:extLst>
-              <a:ext uri="{FF2B5EF4-FFF2-40B4-BE49-F238E27FC236}">
-                <a16:creationId xmlns:a16="http://schemas.microsoft.com/office/drawing/2014/main" id="{65B213A0-7015-0C62-11CD-91E9ED21133D}"/>
-              </a:ext>
-            </a:extLst>
-          </p:cNvPr>
-          <p:cNvSpPr>
-            <a:spLocks noGrp="1"/>
-          </p:cNvSpPr>
-          <p:nvPr>
-            <p:ph idx="1"/>
-          </p:nvPr>
-        </p:nvSpPr>
-        <p:spPr/>
-        <p:txBody>
-          <a:bodyPr/>
-          <a:lstStyle/>
-          <a:p>
-            <a:endParaRPr lang="en-US"/>
-          </a:p>
-        </p:txBody>
-      </p:sp>
+              <a:t>Other useful data visualization tools?</a:t>
+            </a:r>
+          </a:p>
+        </p:txBody>
+      </p:sp>
+      <p:sp>
+        <p:nvSpPr>
+          <p:cNvPr id="5" name="TextBox 4">
+            <a:extLst>
+              <a:ext uri="{FF2B5EF4-FFF2-40B4-BE49-F238E27FC236}">
+                <a16:creationId xmlns:a16="http://schemas.microsoft.com/office/drawing/2014/main" id="{CAFB800D-26A8-875E-CC9A-9D7F205B9242}"/>
+              </a:ext>
+            </a:extLst>
+          </p:cNvPr>
+          <p:cNvSpPr txBox="1"/>
+          <p:nvPr/>
+        </p:nvSpPr>
+        <p:spPr>
+          <a:xfrm>
+            <a:off x="400318" y="4706035"/>
+            <a:ext cx="10515600" cy="369332"/>
+          </a:xfrm>
+          <a:prstGeom prst="rect">
+            <a:avLst/>
+          </a:prstGeom>
+          <a:noFill/>
+        </p:spPr>
+        <p:txBody>
+          <a:bodyPr wrap="square">
+            <a:spAutoFit/>
+          </a:bodyPr>
+          <a:lstStyle/>
+          <a:p>
+            <a:r>
+              <a:rPr lang="en-US" dirty="0"/>
+              <a:t>https://</a:t>
+            </a:r>
+            <a:r>
+              <a:rPr lang="en-US" dirty="0" err="1"/>
+              <a:t>docs.google.com</a:t>
+            </a:r>
+            <a:r>
+              <a:rPr lang="en-US" dirty="0"/>
+              <a:t>/document/d/1cli9PaDoTQa9lryh5hKTTQz5-FxO5y0Z6cvhD_1goKc/edit</a:t>
+            </a:r>
+          </a:p>
+        </p:txBody>
+      </p:sp>
+      <p:pic>
+        <p:nvPicPr>
+          <p:cNvPr id="9" name="Picture 8" descr="A screenshot of a computer&#10;&#10;Description automatically generated">
+            <a:extLst>
+              <a:ext uri="{FF2B5EF4-FFF2-40B4-BE49-F238E27FC236}">
+                <a16:creationId xmlns:a16="http://schemas.microsoft.com/office/drawing/2014/main" id="{4FC42791-B670-F83C-0208-73291F3DD4A9}"/>
+              </a:ext>
+            </a:extLst>
+          </p:cNvPr>
+          <p:cNvPicPr>
+            <a:picLocks noChangeAspect="1"/>
+          </p:cNvPicPr>
+          <p:nvPr/>
+        </p:nvPicPr>
+        <p:blipFill>
+          <a:blip r:embed="rId2"/>
+          <a:stretch>
+            <a:fillRect/>
+          </a:stretch>
+        </p:blipFill>
+        <p:spPr>
+          <a:xfrm>
+            <a:off x="548073" y="1381595"/>
+            <a:ext cx="5110045" cy="3072021"/>
+          </a:xfrm>
+          <a:prstGeom prst="rect">
+            <a:avLst/>
+          </a:prstGeom>
+        </p:spPr>
+      </p:pic>
     </p:spTree>
     <p:extLst>
       <p:ext uri="{BB962C8B-B14F-4D97-AF65-F5344CB8AC3E}">

--- a/Lab_mtg_Jun12.pptx
+++ b/Lab_mtg_Jun12.pptx
@@ -4400,41 +4400,6 @@
           </a:p>
         </p:txBody>
       </p:sp>
-      <p:sp>
-        <p:nvSpPr>
-          <p:cNvPr id="53" name="TextBox 52">
-            <a:extLst>
-              <a:ext uri="{FF2B5EF4-FFF2-40B4-BE49-F238E27FC236}">
-                <a16:creationId xmlns:a16="http://schemas.microsoft.com/office/drawing/2014/main" id="{2C7CE6F0-588A-5978-50FD-5C2A90372699}"/>
-              </a:ext>
-            </a:extLst>
-          </p:cNvPr>
-          <p:cNvSpPr txBox="1"/>
-          <p:nvPr/>
-        </p:nvSpPr>
-        <p:spPr>
-          <a:xfrm>
-            <a:off x="6874130" y="2254123"/>
-            <a:ext cx="6410324" cy="523220"/>
-          </a:xfrm>
-          <a:prstGeom prst="rect">
-            <a:avLst/>
-          </a:prstGeom>
-          <a:noFill/>
-        </p:spPr>
-        <p:txBody>
-          <a:bodyPr wrap="square">
-            <a:spAutoFit/>
-          </a:bodyPr>
-          <a:lstStyle/>
-          <a:p>
-            <a:r>
-              <a:rPr lang="en-US" sz="2800" b="1" dirty="0"/>
-              <a:t>That’s it!</a:t>
-            </a:r>
-          </a:p>
-        </p:txBody>
-      </p:sp>
     </p:spTree>
     <p:extLst>
       <p:ext uri="{BB962C8B-B14F-4D97-AF65-F5344CB8AC3E}">
@@ -4530,7 +4495,7 @@
               <a:rPr lang="en-US" sz="3000" dirty="0">
                 <a:hlinkClick r:id="rId2"/>
               </a:rPr>
-              <a:t>https://bookdown.org/yihui/rmarkdown/basics-examples.html</a:t>
+              <a:t>https://bookdown.org/yihui/rmarkdown/interactive-documents.html</a:t>
             </a:r>
             <a:endParaRPr lang="en-US" sz="3000" dirty="0"/>
           </a:p>
